--- a/5.workshop2.pptx
+++ b/5.workshop2.pptx
@@ -5,10 +5,10 @@
     <p:sldMasterId id="2147483753" r:id="rId4"/>
   </p:sldMasterIdLst>
   <p:notesMasterIdLst>
-    <p:notesMasterId r:id="rId27"/>
+    <p:notesMasterId r:id="rId35"/>
   </p:notesMasterIdLst>
   <p:handoutMasterIdLst>
-    <p:handoutMasterId r:id="rId28"/>
+    <p:handoutMasterId r:id="rId36"/>
   </p:handoutMasterIdLst>
   <p:sldIdLst>
     <p:sldId id="317" r:id="rId5"/>
@@ -26,13 +26,21 @@
     <p:sldId id="924" r:id="rId17"/>
     <p:sldId id="926" r:id="rId18"/>
     <p:sldId id="927" r:id="rId19"/>
-    <p:sldId id="928" r:id="rId20"/>
-    <p:sldId id="929" r:id="rId21"/>
-    <p:sldId id="930" r:id="rId22"/>
-    <p:sldId id="931" r:id="rId23"/>
-    <p:sldId id="932" r:id="rId24"/>
-    <p:sldId id="933" r:id="rId25"/>
-    <p:sldId id="856" r:id="rId26"/>
+    <p:sldId id="936" r:id="rId20"/>
+    <p:sldId id="928" r:id="rId21"/>
+    <p:sldId id="929" r:id="rId22"/>
+    <p:sldId id="930" r:id="rId23"/>
+    <p:sldId id="931" r:id="rId24"/>
+    <p:sldId id="932" r:id="rId25"/>
+    <p:sldId id="933" r:id="rId26"/>
+    <p:sldId id="934" r:id="rId27"/>
+    <p:sldId id="935" r:id="rId28"/>
+    <p:sldId id="938" r:id="rId29"/>
+    <p:sldId id="937" r:id="rId30"/>
+    <p:sldId id="939" r:id="rId31"/>
+    <p:sldId id="940" r:id="rId32"/>
+    <p:sldId id="941" r:id="rId33"/>
+    <p:sldId id="856" r:id="rId34"/>
   </p:sldIdLst>
   <p:sldSz cx="12192000" cy="6858000"/>
   <p:notesSz cx="7315200" cy="9601200"/>
@@ -654,7 +662,7 @@
             </a:lvl1pPr>
           </a:lstStyle>
           <a:p>
-            <a:endParaRPr lang="en-US"/>
+            <a:endParaRPr lang="en-US" dirty="0"/>
           </a:p>
         </p:txBody>
       </p:sp>
@@ -695,7 +703,7 @@
               <a:rPr lang="en-US" smtClean="0"/>
               <a:t>7/7/2020</a:t>
             </a:fld>
-            <a:endParaRPr lang="en-US"/>
+            <a:endParaRPr lang="en-US" dirty="0"/>
           </a:p>
         </p:txBody>
       </p:sp>
@@ -732,7 +740,7 @@
             </a:lvl1pPr>
           </a:lstStyle>
           <a:p>
-            <a:endParaRPr lang="en-US"/>
+            <a:endParaRPr lang="en-US" dirty="0"/>
           </a:p>
         </p:txBody>
       </p:sp>
@@ -773,7 +781,7 @@
               <a:rPr lang="en-US" smtClean="0"/>
               <a:t>‹#›</a:t>
             </a:fld>
-            <a:endParaRPr lang="en-US"/>
+            <a:endParaRPr lang="en-US" dirty="0"/>
           </a:p>
         </p:txBody>
       </p:sp>
@@ -839,7 +847,7 @@
           <a:bodyPr vert="horz" lIns="96650" tIns="48325" rIns="96650" bIns="48325" rtlCol="0" anchor="ctr"/>
           <a:lstStyle/>
           <a:p>
-            <a:endParaRPr lang="en-US"/>
+            <a:endParaRPr lang="en-US" dirty="0"/>
           </a:p>
         </p:txBody>
       </p:sp>
@@ -933,7 +941,7 @@
               <a:rPr lang="en-US" smtClean="0"/>
               <a:t>‹#›</a:t>
             </a:fld>
-            <a:endParaRPr lang="en-US"/>
+            <a:endParaRPr lang="en-US" dirty="0"/>
           </a:p>
         </p:txBody>
       </p:sp>
@@ -1153,7 +1161,7 @@
               <a:rPr lang="en-US" smtClean="0"/>
               <a:t>1</a:t>
             </a:fld>
-            <a:endParaRPr lang="en-US"/>
+            <a:endParaRPr lang="en-US" dirty="0"/>
           </a:p>
         </p:txBody>
       </p:sp>
@@ -1395,6 +1403,658 @@
     <p:extLst>
       <p:ext uri="{BB962C8B-B14F-4D97-AF65-F5344CB8AC3E}">
         <p14:creationId xmlns:p14="http://schemas.microsoft.com/office/powerpoint/2010/main" val="3886238240"/>
+      </p:ext>
+    </p:extLst>
+  </p:cSld>
+  <p:clrMapOvr>
+    <a:masterClrMapping/>
+  </p:clrMapOvr>
+</p:notes>
+</file>
+
+<file path=ppt/notesSlides/notesSlide4.xml><?xml version="1.0" encoding="utf-8"?>
+<p:notes xmlns:a="http://schemas.openxmlformats.org/drawingml/2006/main" xmlns:r="http://schemas.openxmlformats.org/officeDocument/2006/relationships" xmlns:p="http://schemas.openxmlformats.org/presentationml/2006/main">
+  <p:cSld>
+    <p:spTree>
+      <p:nvGrpSpPr>
+        <p:cNvPr id="1" name=""/>
+        <p:cNvGrpSpPr/>
+        <p:nvPr/>
+      </p:nvGrpSpPr>
+      <p:grpSpPr>
+        <a:xfrm>
+          <a:off x="0" y="0"/>
+          <a:ext cx="0" cy="0"/>
+          <a:chOff x="0" y="0"/>
+          <a:chExt cx="0" cy="0"/>
+        </a:xfrm>
+      </p:grpSpPr>
+      <p:sp>
+        <p:nvSpPr>
+          <p:cNvPr id="2" name="Slide Image Placeholder 1"/>
+          <p:cNvSpPr>
+            <a:spLocks noGrp="1" noRot="1" noChangeAspect="1"/>
+          </p:cNvSpPr>
+          <p:nvPr>
+            <p:ph type="sldImg"/>
+          </p:nvPr>
+        </p:nvSpPr>
+        <p:spPr/>
+      </p:sp>
+      <p:sp>
+        <p:nvSpPr>
+          <p:cNvPr id="3" name="Notes Placeholder 2"/>
+          <p:cNvSpPr>
+            <a:spLocks noGrp="1"/>
+          </p:cNvSpPr>
+          <p:nvPr>
+            <p:ph type="body" idx="1"/>
+          </p:nvPr>
+        </p:nvSpPr>
+        <p:spPr/>
+        <p:txBody>
+          <a:bodyPr/>
+          <a:lstStyle/>
+          <a:p>
+            <a:r>
+              <a:rPr lang="en-US" dirty="0"/>
+              <a:t>So what is .NET?</a:t>
+            </a:r>
+          </a:p>
+        </p:txBody>
+      </p:sp>
+      <p:sp>
+        <p:nvSpPr>
+          <p:cNvPr id="4" name="Slide Number Placeholder 3"/>
+          <p:cNvSpPr>
+            <a:spLocks noGrp="1"/>
+          </p:cNvSpPr>
+          <p:nvPr>
+            <p:ph type="sldNum" sz="quarter" idx="10"/>
+          </p:nvPr>
+        </p:nvSpPr>
+        <p:spPr/>
+        <p:txBody>
+          <a:bodyPr/>
+          <a:lstStyle/>
+          <a:p>
+            <a:fld id="{E0AE778D-2A57-4226-B72B-26EA3CA60131}" type="slidenum">
+              <a:rPr lang="en-US" smtClean="0"/>
+              <a:t>16</a:t>
+            </a:fld>
+            <a:endParaRPr lang="en-US"/>
+          </a:p>
+        </p:txBody>
+      </p:sp>
+      <p:sp>
+        <p:nvSpPr>
+          <p:cNvPr id="5" name="Header Placeholder 10">
+            <a:extLst>
+              <a:ext uri="{FF2B5EF4-FFF2-40B4-BE49-F238E27FC236}">
+                <a16:creationId xmlns:a16="http://schemas.microsoft.com/office/drawing/2014/main" id="{FF939A78-2FF4-470E-8E9D-B65CE1E86397}"/>
+              </a:ext>
+            </a:extLst>
+          </p:cNvPr>
+          <p:cNvSpPr>
+            <a:spLocks noGrp="1"/>
+          </p:cNvSpPr>
+          <p:nvPr>
+            <p:ph type="hdr" sz="quarter"/>
+          </p:nvPr>
+        </p:nvSpPr>
+        <p:spPr>
+          <a:xfrm>
+            <a:off x="0" y="1"/>
+            <a:ext cx="3170238" cy="481013"/>
+          </a:xfrm>
+          <a:prstGeom prst="rect">
+            <a:avLst/>
+          </a:prstGeom>
+        </p:spPr>
+        <p:txBody>
+          <a:bodyPr vert="horz" lIns="91429" tIns="45715" rIns="91429" bIns="45715" rtlCol="0"/>
+          <a:lstStyle>
+            <a:lvl1pPr algn="l">
+              <a:defRPr sz="1200"/>
+            </a:lvl1pPr>
+          </a:lstStyle>
+          <a:p>
+            <a:r>
+              <a:rPr lang="en-US" dirty="0"/>
+              <a:t>https://github.com/dotnet-presentations/home</a:t>
+            </a:r>
+          </a:p>
+          <a:p>
+            <a:endParaRPr lang="en-US" dirty="0"/>
+          </a:p>
+        </p:txBody>
+      </p:sp>
+    </p:spTree>
+    <p:extLst>
+      <p:ext uri="{BB962C8B-B14F-4D97-AF65-F5344CB8AC3E}">
+        <p14:creationId xmlns:p14="http://schemas.microsoft.com/office/powerpoint/2010/main" val="772571551"/>
+      </p:ext>
+    </p:extLst>
+  </p:cSld>
+  <p:clrMapOvr>
+    <a:masterClrMapping/>
+  </p:clrMapOvr>
+</p:notes>
+</file>
+
+<file path=ppt/notesSlides/notesSlide5.xml><?xml version="1.0" encoding="utf-8"?>
+<p:notes xmlns:a="http://schemas.openxmlformats.org/drawingml/2006/main" xmlns:r="http://schemas.openxmlformats.org/officeDocument/2006/relationships" xmlns:p="http://schemas.openxmlformats.org/presentationml/2006/main">
+  <p:cSld>
+    <p:spTree>
+      <p:nvGrpSpPr>
+        <p:cNvPr id="1" name=""/>
+        <p:cNvGrpSpPr/>
+        <p:nvPr/>
+      </p:nvGrpSpPr>
+      <p:grpSpPr>
+        <a:xfrm>
+          <a:off x="0" y="0"/>
+          <a:ext cx="0" cy="0"/>
+          <a:chOff x="0" y="0"/>
+          <a:chExt cx="0" cy="0"/>
+        </a:xfrm>
+      </p:grpSpPr>
+      <p:sp>
+        <p:nvSpPr>
+          <p:cNvPr id="2" name="Slide Image Placeholder 1"/>
+          <p:cNvSpPr>
+            <a:spLocks noGrp="1" noRot="1" noChangeAspect="1"/>
+          </p:cNvSpPr>
+          <p:nvPr>
+            <p:ph type="sldImg"/>
+          </p:nvPr>
+        </p:nvSpPr>
+        <p:spPr/>
+      </p:sp>
+      <p:sp>
+        <p:nvSpPr>
+          <p:cNvPr id="3" name="Notes Placeholder 2"/>
+          <p:cNvSpPr>
+            <a:spLocks noGrp="1"/>
+          </p:cNvSpPr>
+          <p:nvPr>
+            <p:ph type="body" idx="1"/>
+          </p:nvPr>
+        </p:nvSpPr>
+        <p:spPr/>
+        <p:txBody>
+          <a:bodyPr/>
+          <a:lstStyle/>
+          <a:p>
+            <a:r>
+              <a:rPr lang="en-US" dirty="0"/>
+              <a:t>So what is .NET?</a:t>
+            </a:r>
+          </a:p>
+        </p:txBody>
+      </p:sp>
+      <p:sp>
+        <p:nvSpPr>
+          <p:cNvPr id="4" name="Slide Number Placeholder 3"/>
+          <p:cNvSpPr>
+            <a:spLocks noGrp="1"/>
+          </p:cNvSpPr>
+          <p:nvPr>
+            <p:ph type="sldNum" sz="quarter" idx="10"/>
+          </p:nvPr>
+        </p:nvSpPr>
+        <p:spPr/>
+        <p:txBody>
+          <a:bodyPr/>
+          <a:lstStyle/>
+          <a:p>
+            <a:fld id="{E0AE778D-2A57-4226-B72B-26EA3CA60131}" type="slidenum">
+              <a:rPr lang="en-US" smtClean="0"/>
+              <a:t>25</a:t>
+            </a:fld>
+            <a:endParaRPr lang="en-US"/>
+          </a:p>
+        </p:txBody>
+      </p:sp>
+      <p:sp>
+        <p:nvSpPr>
+          <p:cNvPr id="5" name="Header Placeholder 10">
+            <a:extLst>
+              <a:ext uri="{FF2B5EF4-FFF2-40B4-BE49-F238E27FC236}">
+                <a16:creationId xmlns:a16="http://schemas.microsoft.com/office/drawing/2014/main" id="{FF939A78-2FF4-470E-8E9D-B65CE1E86397}"/>
+              </a:ext>
+            </a:extLst>
+          </p:cNvPr>
+          <p:cNvSpPr>
+            <a:spLocks noGrp="1"/>
+          </p:cNvSpPr>
+          <p:nvPr>
+            <p:ph type="hdr" sz="quarter"/>
+          </p:nvPr>
+        </p:nvSpPr>
+        <p:spPr>
+          <a:xfrm>
+            <a:off x="0" y="1"/>
+            <a:ext cx="3170238" cy="481013"/>
+          </a:xfrm>
+          <a:prstGeom prst="rect">
+            <a:avLst/>
+          </a:prstGeom>
+        </p:spPr>
+        <p:txBody>
+          <a:bodyPr vert="horz" lIns="91429" tIns="45715" rIns="91429" bIns="45715" rtlCol="0"/>
+          <a:lstStyle>
+            <a:lvl1pPr algn="l">
+              <a:defRPr sz="1200"/>
+            </a:lvl1pPr>
+          </a:lstStyle>
+          <a:p>
+            <a:r>
+              <a:rPr lang="en-US" dirty="0"/>
+              <a:t>https://github.com/dotnet-presentations/home</a:t>
+            </a:r>
+          </a:p>
+          <a:p>
+            <a:endParaRPr lang="en-US" dirty="0"/>
+          </a:p>
+        </p:txBody>
+      </p:sp>
+    </p:spTree>
+    <p:extLst>
+      <p:ext uri="{BB962C8B-B14F-4D97-AF65-F5344CB8AC3E}">
+        <p14:creationId xmlns:p14="http://schemas.microsoft.com/office/powerpoint/2010/main" val="3882200581"/>
+      </p:ext>
+    </p:extLst>
+  </p:cSld>
+  <p:clrMapOvr>
+    <a:masterClrMapping/>
+  </p:clrMapOvr>
+</p:notes>
+</file>
+
+<file path=ppt/notesSlides/notesSlide6.xml><?xml version="1.0" encoding="utf-8"?>
+<p:notes xmlns:a="http://schemas.openxmlformats.org/drawingml/2006/main" xmlns:r="http://schemas.openxmlformats.org/officeDocument/2006/relationships" xmlns:p="http://schemas.openxmlformats.org/presentationml/2006/main">
+  <p:cSld>
+    <p:spTree>
+      <p:nvGrpSpPr>
+        <p:cNvPr id="1" name=""/>
+        <p:cNvGrpSpPr/>
+        <p:nvPr/>
+      </p:nvGrpSpPr>
+      <p:grpSpPr>
+        <a:xfrm>
+          <a:off x="0" y="0"/>
+          <a:ext cx="0" cy="0"/>
+          <a:chOff x="0" y="0"/>
+          <a:chExt cx="0" cy="0"/>
+        </a:xfrm>
+      </p:grpSpPr>
+      <p:sp>
+        <p:nvSpPr>
+          <p:cNvPr id="2" name="Slide Image Placeholder 1"/>
+          <p:cNvSpPr>
+            <a:spLocks noGrp="1" noRot="1" noChangeAspect="1"/>
+          </p:cNvSpPr>
+          <p:nvPr>
+            <p:ph type="sldImg"/>
+          </p:nvPr>
+        </p:nvSpPr>
+        <p:spPr/>
+      </p:sp>
+      <p:sp>
+        <p:nvSpPr>
+          <p:cNvPr id="3" name="Notes Placeholder 2"/>
+          <p:cNvSpPr>
+            <a:spLocks noGrp="1"/>
+          </p:cNvSpPr>
+          <p:nvPr>
+            <p:ph type="body" idx="1"/>
+          </p:nvPr>
+        </p:nvSpPr>
+        <p:spPr/>
+        <p:txBody>
+          <a:bodyPr/>
+          <a:lstStyle/>
+          <a:p>
+            <a:pPr algn="l"/>
+            <a:r>
+              <a:rPr lang="pl-PL" b="0" i="0" dirty="0">
+                <a:solidFill>
+                  <a:srgbClr val="FFFFFF"/>
+                </a:solidFill>
+                <a:effectLst/>
+                <a:latin typeface="system-ui"/>
+              </a:rPr>
+              <a:t>Są ECS2 i </a:t>
+            </a:r>
+            <a:r>
+              <a:rPr lang="pl-PL" b="0" i="0" dirty="0" err="1">
+                <a:solidFill>
+                  <a:srgbClr val="FFFFFF"/>
+                </a:solidFill>
+                <a:effectLst/>
+                <a:latin typeface="system-ui"/>
+              </a:rPr>
+              <a:t>Fargate</a:t>
+            </a:r>
+            <a:r>
+              <a:rPr lang="pl-PL" b="0" i="0" dirty="0">
+                <a:solidFill>
+                  <a:srgbClr val="FFFFFF"/>
+                </a:solidFill>
+                <a:effectLst/>
+                <a:latin typeface="system-ui"/>
+              </a:rPr>
+              <a:t> to kontenerów</a:t>
+            </a:r>
+          </a:p>
+          <a:p>
+            <a:pPr algn="l"/>
+            <a:r>
+              <a:rPr lang="pl-PL" b="0" i="0" dirty="0">
+                <a:solidFill>
+                  <a:srgbClr val="FFFFFF"/>
+                </a:solidFill>
+                <a:effectLst/>
+                <a:latin typeface="system-ui"/>
+              </a:rPr>
+              <a:t>EC2 to takie coś w stylu </a:t>
+            </a:r>
+            <a:r>
+              <a:rPr lang="pl-PL" b="0" i="0" dirty="0" err="1">
+                <a:solidFill>
+                  <a:srgbClr val="FFFFFF"/>
+                </a:solidFill>
+                <a:effectLst/>
+                <a:latin typeface="system-ui"/>
+              </a:rPr>
+              <a:t>AppService</a:t>
+            </a:r>
+            <a:r>
+              <a:rPr lang="pl-PL" b="0" i="0" dirty="0">
+                <a:solidFill>
+                  <a:srgbClr val="FFFFFF"/>
+                </a:solidFill>
+                <a:effectLst/>
+                <a:latin typeface="system-ui"/>
+              </a:rPr>
+              <a:t>, wrzucasz tam kontener i sobie chodzi bon stop</a:t>
+            </a:r>
+          </a:p>
+          <a:p>
+            <a:pPr algn="l"/>
+            <a:r>
+              <a:rPr lang="pl-PL" b="0" i="0" dirty="0" err="1">
+                <a:solidFill>
+                  <a:srgbClr val="FFFFFF"/>
+                </a:solidFill>
+                <a:effectLst/>
+                <a:latin typeface="system-ui"/>
+              </a:rPr>
+              <a:t>Fargate</a:t>
+            </a:r>
+            <a:r>
+              <a:rPr lang="pl-PL" b="0" i="0" dirty="0">
+                <a:solidFill>
+                  <a:srgbClr val="FFFFFF"/>
+                </a:solidFill>
+                <a:effectLst/>
+                <a:latin typeface="system-ui"/>
+              </a:rPr>
+              <a:t> to bardziej jak </a:t>
+            </a:r>
+            <a:r>
+              <a:rPr lang="pl-PL" b="0" i="0" dirty="0" err="1">
+                <a:solidFill>
+                  <a:srgbClr val="FFFFFF"/>
+                </a:solidFill>
+                <a:effectLst/>
+                <a:latin typeface="system-ui"/>
+              </a:rPr>
+              <a:t>Container</a:t>
+            </a:r>
+            <a:r>
+              <a:rPr lang="pl-PL" b="0" i="0" dirty="0">
+                <a:solidFill>
+                  <a:srgbClr val="FFFFFF"/>
+                </a:solidFill>
+                <a:effectLst/>
+                <a:latin typeface="system-ui"/>
+              </a:rPr>
+              <a:t> </a:t>
+            </a:r>
+            <a:r>
+              <a:rPr lang="pl-PL" b="0" i="0" dirty="0" err="1">
+                <a:solidFill>
+                  <a:srgbClr val="FFFFFF"/>
+                </a:solidFill>
+                <a:effectLst/>
+                <a:latin typeface="system-ui"/>
+              </a:rPr>
+              <a:t>Instances</a:t>
+            </a:r>
+            <a:endParaRPr lang="pl-PL" b="0" i="0" dirty="0">
+              <a:solidFill>
+                <a:srgbClr val="FFFFFF"/>
+              </a:solidFill>
+              <a:effectLst/>
+              <a:latin typeface="system-ui"/>
+            </a:endParaRPr>
+          </a:p>
+          <a:p>
+            <a:pPr algn="l"/>
+            <a:r>
+              <a:rPr lang="pl-PL" b="0" i="0" dirty="0">
+                <a:solidFill>
+                  <a:srgbClr val="FFFFFF"/>
+                </a:solidFill>
+                <a:effectLst/>
+                <a:latin typeface="system-ui"/>
+              </a:rPr>
+              <a:t>Bardziej elastyczny bo płacisz za tyle ile używasz</a:t>
+            </a:r>
+          </a:p>
+          <a:p>
+            <a:r>
+              <a:rPr lang="en-US" b="0" i="0" dirty="0" err="1">
+                <a:solidFill>
+                  <a:srgbClr val="FFFFFF"/>
+                </a:solidFill>
+                <a:effectLst/>
+                <a:latin typeface="system-ui"/>
+              </a:rPr>
+              <a:t>Tak</a:t>
+            </a:r>
+            <a:r>
+              <a:rPr lang="en-US" b="0" i="0" dirty="0">
+                <a:solidFill>
+                  <a:srgbClr val="FFFFFF"/>
+                </a:solidFill>
+                <a:effectLst/>
+                <a:latin typeface="system-ui"/>
+              </a:rPr>
+              <a:t>, AWS EKS</a:t>
+            </a:r>
+            <a:endParaRPr lang="en-US" dirty="0"/>
+          </a:p>
+        </p:txBody>
+      </p:sp>
+      <p:sp>
+        <p:nvSpPr>
+          <p:cNvPr id="4" name="Slide Number Placeholder 3"/>
+          <p:cNvSpPr>
+            <a:spLocks noGrp="1"/>
+          </p:cNvSpPr>
+          <p:nvPr>
+            <p:ph type="sldNum" sz="quarter" idx="5"/>
+          </p:nvPr>
+        </p:nvSpPr>
+        <p:spPr/>
+        <p:txBody>
+          <a:bodyPr/>
+          <a:lstStyle/>
+          <a:p>
+            <a:fld id="{E0AE778D-2A57-4226-B72B-26EA3CA60131}" type="slidenum">
+              <a:rPr lang="en-US" smtClean="0"/>
+              <a:t>26</a:t>
+            </a:fld>
+            <a:endParaRPr lang="en-US"/>
+          </a:p>
+        </p:txBody>
+      </p:sp>
+    </p:spTree>
+    <p:extLst>
+      <p:ext uri="{BB962C8B-B14F-4D97-AF65-F5344CB8AC3E}">
+        <p14:creationId xmlns:p14="http://schemas.microsoft.com/office/powerpoint/2010/main" val="2372551833"/>
+      </p:ext>
+    </p:extLst>
+  </p:cSld>
+  <p:clrMapOvr>
+    <a:masterClrMapping/>
+  </p:clrMapOvr>
+</p:notes>
+</file>
+
+<file path=ppt/notesSlides/notesSlide7.xml><?xml version="1.0" encoding="utf-8"?>
+<p:notes xmlns:a="http://schemas.openxmlformats.org/drawingml/2006/main" xmlns:r="http://schemas.openxmlformats.org/officeDocument/2006/relationships" xmlns:p="http://schemas.openxmlformats.org/presentationml/2006/main">
+  <p:cSld>
+    <p:spTree>
+      <p:nvGrpSpPr>
+        <p:cNvPr id="1" name=""/>
+        <p:cNvGrpSpPr/>
+        <p:nvPr/>
+      </p:nvGrpSpPr>
+      <p:grpSpPr>
+        <a:xfrm>
+          <a:off x="0" y="0"/>
+          <a:ext cx="0" cy="0"/>
+          <a:chOff x="0" y="0"/>
+          <a:chExt cx="0" cy="0"/>
+        </a:xfrm>
+      </p:grpSpPr>
+      <p:sp>
+        <p:nvSpPr>
+          <p:cNvPr id="2" name="Slide Image Placeholder 1"/>
+          <p:cNvSpPr>
+            <a:spLocks noGrp="1" noRot="1" noChangeAspect="1"/>
+          </p:cNvSpPr>
+          <p:nvPr>
+            <p:ph type="sldImg"/>
+          </p:nvPr>
+        </p:nvSpPr>
+        <p:spPr/>
+      </p:sp>
+      <p:sp>
+        <p:nvSpPr>
+          <p:cNvPr id="3" name="Notes Placeholder 2"/>
+          <p:cNvSpPr>
+            <a:spLocks noGrp="1"/>
+          </p:cNvSpPr>
+          <p:nvPr>
+            <p:ph type="body" idx="1"/>
+          </p:nvPr>
+        </p:nvSpPr>
+        <p:spPr/>
+        <p:txBody>
+          <a:bodyPr/>
+          <a:lstStyle/>
+          <a:p>
+            <a:r>
+              <a:rPr lang="en-US" dirty="0" err="1"/>
+              <a:t>Dalej</a:t>
+            </a:r>
+            <a:r>
+              <a:rPr lang="en-US" dirty="0"/>
+              <a:t> CD z docker </a:t>
+            </a:r>
+            <a:r>
+              <a:rPr lang="en-US" dirty="0" err="1"/>
+              <a:t>huba</a:t>
+            </a:r>
+            <a:r>
+              <a:rPr lang="en-US" dirty="0"/>
+              <a:t> </a:t>
+            </a:r>
+            <a:r>
+              <a:rPr lang="en-US" dirty="0" err="1"/>
+              <a:t>przez</a:t>
+            </a:r>
+            <a:r>
+              <a:rPr lang="en-US" dirty="0"/>
+              <a:t> web hook</a:t>
+            </a:r>
+          </a:p>
+          <a:p>
+            <a:endParaRPr lang="en-US" dirty="0"/>
+          </a:p>
+          <a:p>
+            <a:r>
+              <a:rPr lang="en-US" dirty="0" err="1"/>
+              <a:t>Dalej</a:t>
+            </a:r>
+            <a:r>
+              <a:rPr lang="en-US" dirty="0"/>
+              <a:t> CICD. Ale </a:t>
+            </a:r>
+            <a:r>
+              <a:rPr lang="en-US" dirty="0" err="1"/>
+              <a:t>juz</a:t>
+            </a:r>
+            <a:r>
+              <a:rPr lang="en-US" dirty="0"/>
+              <a:t> </a:t>
+            </a:r>
+            <a:r>
+              <a:rPr lang="en-US" dirty="0" err="1"/>
+              <a:t>nie</a:t>
+            </a:r>
+            <a:r>
+              <a:rPr lang="en-US" dirty="0"/>
+              <a:t> </a:t>
+            </a:r>
+            <a:r>
+              <a:rPr lang="en-US" dirty="0" err="1"/>
+              <a:t>daje</a:t>
+            </a:r>
+            <a:r>
+              <a:rPr lang="en-US" dirty="0"/>
+              <a:t> </a:t>
+            </a:r>
+            <a:r>
+              <a:rPr lang="en-US"/>
+              <a:t>rady</a:t>
+            </a:r>
+            <a:endParaRPr lang="en-US" dirty="0"/>
+          </a:p>
+        </p:txBody>
+      </p:sp>
+      <p:sp>
+        <p:nvSpPr>
+          <p:cNvPr id="4" name="Slide Number Placeholder 3"/>
+          <p:cNvSpPr>
+            <a:spLocks noGrp="1"/>
+          </p:cNvSpPr>
+          <p:nvPr>
+            <p:ph type="sldNum" sz="quarter" idx="5"/>
+          </p:nvPr>
+        </p:nvSpPr>
+        <p:spPr/>
+        <p:txBody>
+          <a:bodyPr/>
+          <a:lstStyle/>
+          <a:p>
+            <a:fld id="{E0AE778D-2A57-4226-B72B-26EA3CA60131}" type="slidenum">
+              <a:rPr lang="en-US" smtClean="0"/>
+              <a:t>29</a:t>
+            </a:fld>
+            <a:endParaRPr lang="en-US" dirty="0"/>
+          </a:p>
+        </p:txBody>
+      </p:sp>
+    </p:spTree>
+    <p:extLst>
+      <p:ext uri="{BB962C8B-B14F-4D97-AF65-F5344CB8AC3E}">
+        <p14:creationId xmlns:p14="http://schemas.microsoft.com/office/powerpoint/2010/main" val="3534097656"/>
       </p:ext>
     </p:extLst>
   </p:cSld>
@@ -2433,7 +3093,7 @@
                 <a:spcPct val="0"/>
               </a:spcAft>
             </a:pPr>
-            <a:endParaRPr lang="en-US" sz="2400" err="1">
+            <a:endParaRPr lang="en-US" sz="2400" dirty="0">
               <a:gradFill>
                 <a:gsLst>
                   <a:gs pos="0">
@@ -3564,7 +4224,7 @@
                 <a:spcPct val="0"/>
               </a:spcAft>
             </a:pPr>
-            <a:endParaRPr lang="en-US" sz="2400" err="1">
+            <a:endParaRPr lang="en-US" sz="2400" dirty="0">
               <a:gradFill>
                 <a:gsLst>
                   <a:gs pos="0">
@@ -4175,7 +4835,7 @@
                     </a:spcAft>
                   </a:pPr>
                   <a:r>
-                    <a:rPr lang="en-US" sz="490" b="1" kern="1200" baseline="0">
+                    <a:rPr lang="en-US" sz="490" b="1" kern="1200" baseline="0" dirty="0">
                       <a:gradFill>
                         <a:gsLst>
                           <a:gs pos="0">
@@ -4207,7 +4867,7 @@
                     </a:spcAft>
                   </a:pPr>
                   <a:r>
-                    <a:rPr lang="en-US" sz="490">
+                    <a:rPr lang="en-US" sz="490" dirty="0">
                       <a:gradFill>
                         <a:gsLst>
                           <a:gs pos="2092">
@@ -4225,7 +4885,7 @@
                     <a:t>R:</a:t>
                   </a:r>
                   <a:r>
-                    <a:rPr lang="en-US" sz="490" baseline="0">
+                    <a:rPr lang="en-US" sz="490" baseline="0" dirty="0">
                       <a:gradFill>
                         <a:gsLst>
                           <a:gs pos="2092">
@@ -4242,7 +4902,7 @@
                     </a:rPr>
                     <a:t>0 G:120 B:215</a:t>
                   </a:r>
-                  <a:endParaRPr lang="en-US" sz="490">
+                  <a:endParaRPr lang="en-US" sz="490" dirty="0">
                     <a:gradFill>
                       <a:gsLst>
                         <a:gs pos="2092">
@@ -4319,7 +4979,7 @@
                     </a:spcAft>
                   </a:pPr>
                   <a:r>
-                    <a:rPr lang="en-US" sz="490" b="1" kern="1200" baseline="0">
+                    <a:rPr lang="en-US" sz="490" b="1" kern="1200" baseline="0" dirty="0">
                       <a:gradFill>
                         <a:gsLst>
                           <a:gs pos="7965">
@@ -4351,7 +5011,7 @@
                     </a:spcAft>
                   </a:pPr>
                   <a:r>
-                    <a:rPr lang="en-US" sz="490">
+                    <a:rPr lang="en-US" sz="490" dirty="0">
                       <a:gradFill>
                         <a:gsLst>
                           <a:gs pos="7965">
@@ -4369,7 +5029,7 @@
                     <a:t>R:</a:t>
                   </a:r>
                   <a:r>
-                    <a:rPr lang="en-US" sz="490" baseline="0">
+                    <a:rPr lang="en-US" sz="490" baseline="0" dirty="0">
                       <a:gradFill>
                         <a:gsLst>
                           <a:gs pos="7965">
@@ -4386,7 +5046,7 @@
                     </a:rPr>
                     <a:t>0 G:188 B:242</a:t>
                   </a:r>
-                  <a:endParaRPr lang="en-US" sz="490">
+                  <a:endParaRPr lang="en-US" sz="490" dirty="0">
                     <a:gradFill>
                       <a:gsLst>
                         <a:gs pos="7965">
@@ -4463,7 +5123,7 @@
                     </a:spcAft>
                   </a:pPr>
                   <a:r>
-                    <a:rPr lang="en-US" sz="490" b="1" kern="1200" baseline="0">
+                    <a:rPr lang="en-US" sz="490" b="1" kern="1200" baseline="0" dirty="0">
                       <a:gradFill>
                         <a:gsLst>
                           <a:gs pos="92035">
@@ -4495,7 +5155,7 @@
                     </a:spcAft>
                   </a:pPr>
                   <a:r>
-                    <a:rPr lang="en-US" sz="490">
+                    <a:rPr lang="en-US" sz="490" dirty="0">
                       <a:gradFill>
                         <a:gsLst>
                           <a:gs pos="92035">
@@ -4513,7 +5173,7 @@
                     <a:t>R:</a:t>
                   </a:r>
                   <a:r>
-                    <a:rPr lang="en-US" sz="490" baseline="0">
+                    <a:rPr lang="en-US" sz="490" baseline="0" dirty="0">
                       <a:gradFill>
                         <a:gsLst>
                           <a:gs pos="92035">
@@ -4530,7 +5190,7 @@
                     </a:rPr>
                     <a:t>210 G:210 B:210</a:t>
                   </a:r>
-                  <a:endParaRPr lang="en-US" sz="490">
+                  <a:endParaRPr lang="en-US" sz="490" dirty="0">
                     <a:gradFill>
                       <a:gsLst>
                         <a:gs pos="92035">
@@ -4607,7 +5267,7 @@
                     </a:spcAft>
                   </a:pPr>
                   <a:r>
-                    <a:rPr lang="en-US" sz="490" b="1" kern="1200" baseline="0">
+                    <a:rPr lang="en-US" sz="490" b="1" kern="1200" baseline="0" dirty="0">
                       <a:gradFill>
                         <a:gsLst>
                           <a:gs pos="0">
@@ -4639,7 +5299,7 @@
                     </a:spcAft>
                   </a:pPr>
                   <a:r>
-                    <a:rPr lang="en-US" sz="490">
+                    <a:rPr lang="en-US" sz="490" dirty="0">
                       <a:gradFill>
                         <a:gsLst>
                           <a:gs pos="0">
@@ -4657,7 +5317,7 @@
                     <a:t>R:92</a:t>
                   </a:r>
                   <a:r>
-                    <a:rPr lang="en-US" sz="490" baseline="0">
+                    <a:rPr lang="en-US" sz="490" baseline="0" dirty="0">
                       <a:gradFill>
                         <a:gsLst>
                           <a:gs pos="0">
@@ -4674,7 +5334,7 @@
                     </a:rPr>
                     <a:t> G:45 B:145</a:t>
                   </a:r>
-                  <a:endParaRPr lang="en-US" sz="490">
+                  <a:endParaRPr lang="en-US" sz="490" dirty="0">
                     <a:gradFill>
                       <a:gsLst>
                         <a:gs pos="0">
@@ -4751,7 +5411,7 @@
                     </a:spcAft>
                   </a:pPr>
                   <a:r>
-                    <a:rPr lang="en-US" sz="490" b="1" kern="1200" baseline="0">
+                    <a:rPr lang="en-US" sz="490" b="1" kern="1200" baseline="0" dirty="0">
                       <a:gradFill>
                         <a:gsLst>
                           <a:gs pos="0">
@@ -4783,7 +5443,7 @@
                     </a:spcAft>
                   </a:pPr>
                   <a:r>
-                    <a:rPr lang="en-US" sz="490">
+                    <a:rPr lang="en-US" sz="490" dirty="0">
                       <a:gradFill>
                         <a:gsLst>
                           <a:gs pos="2092">
@@ -4801,7 +5461,7 @@
                     <a:t>R:</a:t>
                   </a:r>
                   <a:r>
-                    <a:rPr lang="en-US" sz="490" baseline="0">
+                    <a:rPr lang="en-US" sz="490" baseline="0" dirty="0">
                       <a:gradFill>
                         <a:gsLst>
                           <a:gs pos="2092">
@@ -4818,7 +5478,7 @@
                     </a:rPr>
                     <a:t>80 G:80 B:80</a:t>
                   </a:r>
-                  <a:endParaRPr lang="en-US" sz="490">
+                  <a:endParaRPr lang="en-US" sz="490" dirty="0">
                     <a:gradFill>
                       <a:gsLst>
                         <a:gs pos="2092">
@@ -4895,7 +5555,7 @@
                     </a:spcAft>
                   </a:pPr>
                   <a:r>
-                    <a:rPr lang="en-US" sz="490" b="1" kern="1200" baseline="0">
+                    <a:rPr lang="en-US" sz="490" b="1" kern="1200" baseline="0" dirty="0">
                       <a:gradFill>
                         <a:gsLst>
                           <a:gs pos="0">
@@ -4927,7 +5587,7 @@
                     </a:spcAft>
                   </a:pPr>
                   <a:r>
-                    <a:rPr lang="en-US" sz="490">
+                    <a:rPr lang="en-US" sz="490" dirty="0">
                       <a:gradFill>
                         <a:gsLst>
                           <a:gs pos="2092">
@@ -4945,7 +5605,7 @@
                     <a:t>R:</a:t>
                   </a:r>
                   <a:r>
-                    <a:rPr lang="en-US" sz="490" baseline="0">
+                    <a:rPr lang="en-US" sz="490" baseline="0" dirty="0">
                       <a:gradFill>
                         <a:gsLst>
                           <a:gs pos="2092">
@@ -4962,7 +5622,7 @@
                     </a:rPr>
                     <a:t>115 G:115 B:115</a:t>
                   </a:r>
-                  <a:endParaRPr lang="en-US" sz="490">
+                  <a:endParaRPr lang="en-US" sz="490" dirty="0">
                     <a:gradFill>
                       <a:gsLst>
                         <a:gs pos="2092">
@@ -5054,7 +5714,7 @@
                     </a:spcAft>
                   </a:pPr>
                   <a:r>
-                    <a:rPr lang="en-US" sz="490" b="1" kern="1200" baseline="0">
+                    <a:rPr lang="en-US" sz="490" b="1" kern="1200" baseline="0" dirty="0">
                       <a:solidFill>
                         <a:srgbClr val="000000"/>
                       </a:solidFill>
@@ -5078,7 +5738,7 @@
                     </a:spcAft>
                   </a:pPr>
                   <a:r>
-                    <a:rPr lang="en-US" sz="490" kern="1200">
+                    <a:rPr lang="en-US" sz="490" kern="1200" dirty="0">
                       <a:solidFill>
                         <a:srgbClr val="000000"/>
                       </a:solidFill>
@@ -5150,7 +5810,7 @@
                     </a:spcAft>
                   </a:pPr>
                   <a:r>
-                    <a:rPr lang="en-US" sz="490" b="1" kern="1200" baseline="0">
+                    <a:rPr lang="en-US" sz="490" b="1" kern="1200" baseline="0" dirty="0">
                       <a:gradFill>
                         <a:gsLst>
                           <a:gs pos="0">
@@ -5182,7 +5842,7 @@
                     </a:spcAft>
                   </a:pPr>
                   <a:r>
-                    <a:rPr lang="en-US" sz="490">
+                    <a:rPr lang="en-US" sz="490" dirty="0">
                       <a:gradFill>
                         <a:gsLst>
                           <a:gs pos="2092">
@@ -5200,7 +5860,7 @@
                     <a:t>R:</a:t>
                   </a:r>
                   <a:r>
-                    <a:rPr lang="en-US" sz="490" baseline="0">
+                    <a:rPr lang="en-US" sz="490" baseline="0" dirty="0">
                       <a:gradFill>
                         <a:gsLst>
                           <a:gs pos="2092">
@@ -5279,7 +5939,7 @@
                     </a:spcAft>
                   </a:pPr>
                   <a:r>
-                    <a:rPr lang="en-US" sz="490" b="1" kern="1200" baseline="0">
+                    <a:rPr lang="en-US" sz="490" b="1" kern="1200" baseline="0" dirty="0">
                       <a:gradFill>
                         <a:gsLst>
                           <a:gs pos="0">
@@ -5311,7 +5971,7 @@
                     </a:spcAft>
                   </a:pPr>
                   <a:r>
-                    <a:rPr lang="en-US" sz="490">
+                    <a:rPr lang="en-US" sz="490" dirty="0">
                       <a:gradFill>
                         <a:gsLst>
                           <a:gs pos="2092">
@@ -5329,7 +5989,7 @@
                     <a:t>R:0</a:t>
                   </a:r>
                   <a:r>
-                    <a:rPr lang="en-US" sz="490" baseline="0">
+                    <a:rPr lang="en-US" sz="490" baseline="0" dirty="0">
                       <a:gradFill>
                         <a:gsLst>
                           <a:gs pos="2092">
@@ -5346,7 +6006,7 @@
                     </a:rPr>
                     <a:t> G:130 B:114</a:t>
                   </a:r>
-                  <a:endParaRPr lang="en-US" sz="490">
+                  <a:endParaRPr lang="en-US" sz="490" dirty="0">
                     <a:gradFill>
                       <a:gsLst>
                         <a:gs pos="2092">
@@ -5396,7 +6056,7 @@
                   </a:spcAft>
                 </a:pPr>
                 <a:r>
-                  <a:rPr lang="en-US" sz="980">
+                  <a:rPr lang="en-US" sz="980" dirty="0">
                     <a:gradFill>
                       <a:gsLst>
                         <a:gs pos="2917">
@@ -5445,7 +6105,7 @@
                   </a:spcAft>
                 </a:pPr>
                 <a:r>
-                  <a:rPr lang="en-US" sz="980">
+                  <a:rPr lang="en-US" sz="980" dirty="0">
                     <a:gradFill>
                       <a:gsLst>
                         <a:gs pos="2917">
@@ -5461,7 +6121,7 @@
                   <a:t>Secondary colors (use only when</a:t>
                 </a:r>
                 <a:r>
-                  <a:rPr lang="en-US" sz="980" baseline="0">
+                  <a:rPr lang="en-US" sz="980" baseline="0" dirty="0">
                     <a:gradFill>
                       <a:gsLst>
                         <a:gs pos="2917">
@@ -5476,7 +6136,7 @@
                   </a:rPr>
                   <a:t> necessary)</a:t>
                 </a:r>
-                <a:endParaRPr lang="en-US" sz="980">
+                <a:endParaRPr lang="en-US" sz="980" dirty="0">
                   <a:gradFill>
                     <a:gsLst>
                       <a:gs pos="2917">
@@ -5552,7 +6212,7 @@
                 </a:spcAft>
               </a:pPr>
               <a:r>
-                <a:rPr lang="en-US" sz="490" b="1" kern="1200" baseline="0">
+                <a:rPr lang="en-US" sz="490" b="1" kern="1200" baseline="0" dirty="0">
                   <a:gradFill>
                     <a:gsLst>
                       <a:gs pos="7965">
@@ -5584,7 +6244,7 @@
                 </a:spcAft>
               </a:pPr>
               <a:r>
-                <a:rPr lang="en-US" sz="490">
+                <a:rPr lang="en-US" sz="490" dirty="0">
                   <a:gradFill>
                     <a:gsLst>
                       <a:gs pos="7965">
@@ -5602,7 +6262,7 @@
                 <a:t>R:</a:t>
               </a:r>
               <a:r>
-                <a:rPr lang="en-US" sz="490" baseline="0">
+                <a:rPr lang="en-US" sz="490" baseline="0" dirty="0">
                   <a:gradFill>
                     <a:gsLst>
                       <a:gs pos="7965">
@@ -5619,7 +6279,7 @@
                 </a:rPr>
                 <a:t>0 G:188 B:242</a:t>
               </a:r>
-              <a:endParaRPr lang="en-US" sz="490">
+              <a:endParaRPr lang="en-US" sz="490" dirty="0">
                 <a:gradFill>
                   <a:gsLst>
                     <a:gs pos="7965">
@@ -6195,7 +6855,7 @@
           <a:p>
             <a:r>
               <a:rPr lang="en-US" dirty="0"/>
-              <a:t>REST API</a:t>
+              <a:t>Docker</a:t>
             </a:r>
           </a:p>
         </p:txBody>
@@ -6221,7 +6881,7 @@
           <a:bodyPr/>
           <a:lstStyle/>
           <a:p>
-            <a:endParaRPr lang="en-US"/>
+            <a:endParaRPr lang="en-US" dirty="0"/>
           </a:p>
         </p:txBody>
       </p:sp>
@@ -7263,6 +7923,101 @@
       </p:grpSpPr>
       <p:sp>
         <p:nvSpPr>
+          <p:cNvPr id="2" name="Title 1">
+            <a:extLst>
+              <a:ext uri="{FF2B5EF4-FFF2-40B4-BE49-F238E27FC236}">
+                <a16:creationId xmlns:a16="http://schemas.microsoft.com/office/drawing/2014/main" id="{524C7287-25EE-41A6-A2BD-D98C5ADAF8E3}"/>
+              </a:ext>
+            </a:extLst>
+          </p:cNvPr>
+          <p:cNvSpPr>
+            <a:spLocks noGrp="1"/>
+          </p:cNvSpPr>
+          <p:nvPr>
+            <p:ph type="title"/>
+          </p:nvPr>
+        </p:nvSpPr>
+        <p:spPr/>
+        <p:txBody>
+          <a:bodyPr/>
+          <a:lstStyle/>
+          <a:p>
+            <a:r>
+              <a:rPr lang="en-US" dirty="0"/>
+              <a:t>Docker with Visual Studio and Docker Hub</a:t>
+            </a:r>
+          </a:p>
+        </p:txBody>
+      </p:sp>
+      <p:sp>
+        <p:nvSpPr>
+          <p:cNvPr id="6" name="Text Placeholder 5">
+            <a:extLst>
+              <a:ext uri="{FF2B5EF4-FFF2-40B4-BE49-F238E27FC236}">
+                <a16:creationId xmlns:a16="http://schemas.microsoft.com/office/drawing/2014/main" id="{96E30D7E-0B54-4079-928E-0FF0F0AE4050}"/>
+              </a:ext>
+            </a:extLst>
+          </p:cNvPr>
+          <p:cNvSpPr>
+            <a:spLocks noGrp="1"/>
+          </p:cNvSpPr>
+          <p:nvPr>
+            <p:ph type="body" sz="quarter" idx="12"/>
+          </p:nvPr>
+        </p:nvSpPr>
+        <p:spPr/>
+        <p:txBody>
+          <a:bodyPr/>
+          <a:lstStyle/>
+          <a:p>
+            <a:endParaRPr lang="en-US"/>
+          </a:p>
+        </p:txBody>
+      </p:sp>
+    </p:spTree>
+    <p:extLst>
+      <p:ext uri="{BB962C8B-B14F-4D97-AF65-F5344CB8AC3E}">
+        <p14:creationId xmlns:p14="http://schemas.microsoft.com/office/powerpoint/2010/main" val="1249577904"/>
+      </p:ext>
+    </p:extLst>
+  </p:cSld>
+  <p:clrMapOvr>
+    <a:masterClrMapping/>
+  </p:clrMapOvr>
+  <mc:AlternateContent xmlns:mc="http://schemas.openxmlformats.org/markup-compatibility/2006" xmlns:p14="http://schemas.microsoft.com/office/powerpoint/2010/main">
+    <mc:Choice Requires="p14">
+      <p:transition spd="med" p14:dur="700">
+        <p:fade/>
+      </p:transition>
+    </mc:Choice>
+    <mc:Fallback xmlns="">
+      <p:transition spd="med">
+        <p:fade/>
+      </p:transition>
+    </mc:Fallback>
+  </mc:AlternateContent>
+</p:sld>
+</file>
+
+<file path=ppt/slides/slide17.xml><?xml version="1.0" encoding="utf-8"?>
+<p:sld xmlns:a="http://schemas.openxmlformats.org/drawingml/2006/main" xmlns:r="http://schemas.openxmlformats.org/officeDocument/2006/relationships" xmlns:p="http://schemas.openxmlformats.org/presentationml/2006/main">
+  <p:cSld>
+    <p:spTree>
+      <p:nvGrpSpPr>
+        <p:cNvPr id="1" name=""/>
+        <p:cNvGrpSpPr/>
+        <p:nvPr/>
+      </p:nvGrpSpPr>
+      <p:grpSpPr>
+        <a:xfrm>
+          <a:off x="0" y="0"/>
+          <a:ext cx="0" cy="0"/>
+          <a:chOff x="0" y="0"/>
+          <a:chExt cx="0" cy="0"/>
+        </a:xfrm>
+      </p:grpSpPr>
+      <p:sp>
+        <p:nvSpPr>
           <p:cNvPr id="2" name="Text Placeholder 1">
             <a:extLst>
               <a:ext uri="{FF2B5EF4-FFF2-40B4-BE49-F238E27FC236}">
@@ -7655,7 +8410,7 @@
 </p:sld>
 </file>
 
-<file path=ppt/slides/slide17.xml><?xml version="1.0" encoding="utf-8"?>
+<file path=ppt/slides/slide18.xml><?xml version="1.0" encoding="utf-8"?>
 <p:sld xmlns:a="http://schemas.openxmlformats.org/drawingml/2006/main" xmlns:r="http://schemas.openxmlformats.org/officeDocument/2006/relationships" xmlns:p="http://schemas.openxmlformats.org/presentationml/2006/main">
   <p:cSld>
     <p:spTree>
@@ -7785,7 +8540,7 @@
 </p:sld>
 </file>
 
-<file path=ppt/slides/slide18.xml><?xml version="1.0" encoding="utf-8"?>
+<file path=ppt/slides/slide19.xml><?xml version="1.0" encoding="utf-8"?>
 <p:sld xmlns:a="http://schemas.openxmlformats.org/drawingml/2006/main" xmlns:r="http://schemas.openxmlformats.org/officeDocument/2006/relationships" xmlns:p="http://schemas.openxmlformats.org/presentationml/2006/main">
   <p:cSld>
     <p:spTree>
@@ -7903,145 +8658,6 @@
     <p:extLst>
       <p:ext uri="{BB962C8B-B14F-4D97-AF65-F5344CB8AC3E}">
         <p14:creationId xmlns:p14="http://schemas.microsoft.com/office/powerpoint/2010/main" val="2277394849"/>
-      </p:ext>
-    </p:extLst>
-  </p:cSld>
-  <p:clrMapOvr>
-    <a:masterClrMapping/>
-  </p:clrMapOvr>
-  <p:transition>
-    <p:fade/>
-  </p:transition>
-</p:sld>
-</file>
-
-<file path=ppt/slides/slide19.xml><?xml version="1.0" encoding="utf-8"?>
-<p:sld xmlns:a="http://schemas.openxmlformats.org/drawingml/2006/main" xmlns:r="http://schemas.openxmlformats.org/officeDocument/2006/relationships" xmlns:p="http://schemas.openxmlformats.org/presentationml/2006/main">
-  <p:cSld>
-    <p:spTree>
-      <p:nvGrpSpPr>
-        <p:cNvPr id="1" name=""/>
-        <p:cNvGrpSpPr/>
-        <p:nvPr/>
-      </p:nvGrpSpPr>
-      <p:grpSpPr>
-        <a:xfrm>
-          <a:off x="0" y="0"/>
-          <a:ext cx="0" cy="0"/>
-          <a:chOff x="0" y="0"/>
-          <a:chExt cx="0" cy="0"/>
-        </a:xfrm>
-      </p:grpSpPr>
-      <p:sp>
-        <p:nvSpPr>
-          <p:cNvPr id="2" name="Text Placeholder 1">
-            <a:extLst>
-              <a:ext uri="{FF2B5EF4-FFF2-40B4-BE49-F238E27FC236}">
-                <a16:creationId xmlns:a16="http://schemas.microsoft.com/office/drawing/2014/main" id="{76F177D0-CF4A-42CE-A002-599757BD7211}"/>
-              </a:ext>
-            </a:extLst>
-          </p:cNvPr>
-          <p:cNvSpPr>
-            <a:spLocks noGrp="1"/>
-          </p:cNvSpPr>
-          <p:nvPr>
-            <p:ph type="body" sz="quarter" idx="10"/>
-          </p:nvPr>
-        </p:nvSpPr>
-        <p:spPr>
-          <a:xfrm>
-            <a:off x="269239" y="1189177"/>
-            <a:ext cx="11653523" cy="1391407"/>
-          </a:xfrm>
-        </p:spPr>
-        <p:txBody>
-          <a:bodyPr/>
-          <a:lstStyle/>
-          <a:p>
-            <a:r>
-              <a:rPr lang="en-US" dirty="0"/>
-              <a:t>Login to Docker Hub</a:t>
-            </a:r>
-          </a:p>
-          <a:p>
-            <a:r>
-              <a:rPr lang="en-US" dirty="0"/>
-              <a:t>Create Docker Hub repository</a:t>
-            </a:r>
-          </a:p>
-        </p:txBody>
-      </p:sp>
-      <p:sp>
-        <p:nvSpPr>
-          <p:cNvPr id="3" name="Title 2">
-            <a:extLst>
-              <a:ext uri="{FF2B5EF4-FFF2-40B4-BE49-F238E27FC236}">
-                <a16:creationId xmlns:a16="http://schemas.microsoft.com/office/drawing/2014/main" id="{C611A49D-1E5F-4FC2-8F23-B16D68C02DAC}"/>
-              </a:ext>
-            </a:extLst>
-          </p:cNvPr>
-          <p:cNvSpPr>
-            <a:spLocks noGrp="1"/>
-          </p:cNvSpPr>
-          <p:nvPr>
-            <p:ph type="title"/>
-          </p:nvPr>
-        </p:nvSpPr>
-        <p:spPr/>
-        <p:txBody>
-          <a:bodyPr/>
-          <a:lstStyle/>
-          <a:p>
-            <a:r>
-              <a:rPr lang="pl-PL" dirty="0" err="1"/>
-              <a:t>docker</a:t>
-            </a:r>
-            <a:r>
-              <a:rPr lang="pl-PL" dirty="0"/>
-              <a:t> </a:t>
-            </a:r>
-            <a:r>
-              <a:rPr lang="pl-PL" dirty="0" err="1"/>
-              <a:t>push</a:t>
-            </a:r>
-            <a:endParaRPr lang="en-US" dirty="0"/>
-          </a:p>
-        </p:txBody>
-      </p:sp>
-      <p:pic>
-        <p:nvPicPr>
-          <p:cNvPr id="5" name="Picture 4">
-            <a:extLst>
-              <a:ext uri="{FF2B5EF4-FFF2-40B4-BE49-F238E27FC236}">
-                <a16:creationId xmlns:a16="http://schemas.microsoft.com/office/drawing/2014/main" id="{029F2CA8-97AF-4DFC-9654-7A47293870A8}"/>
-              </a:ext>
-            </a:extLst>
-          </p:cNvPr>
-          <p:cNvPicPr>
-            <a:picLocks noChangeAspect="1"/>
-          </p:cNvPicPr>
-          <p:nvPr/>
-        </p:nvPicPr>
-        <p:blipFill>
-          <a:blip r:embed="rId2"/>
-          <a:stretch>
-            <a:fillRect/>
-          </a:stretch>
-        </p:blipFill>
-        <p:spPr>
-          <a:xfrm>
-            <a:off x="0" y="2608506"/>
-            <a:ext cx="12192000" cy="2335932"/>
-          </a:xfrm>
-          <a:prstGeom prst="rect">
-            <a:avLst/>
-          </a:prstGeom>
-        </p:spPr>
-      </p:pic>
-    </p:spTree>
-    <p:extLst>
-      <p:ext uri="{BB962C8B-B14F-4D97-AF65-F5344CB8AC3E}">
-        <p14:creationId xmlns:p14="http://schemas.microsoft.com/office/powerpoint/2010/main" val="3789633304"/>
       </p:ext>
     </p:extLst>
   </p:cSld>
@@ -8139,6 +8755,145 @@
           <p:cNvPr id="2" name="Text Placeholder 1">
             <a:extLst>
               <a:ext uri="{FF2B5EF4-FFF2-40B4-BE49-F238E27FC236}">
+                <a16:creationId xmlns:a16="http://schemas.microsoft.com/office/drawing/2014/main" id="{76F177D0-CF4A-42CE-A002-599757BD7211}"/>
+              </a:ext>
+            </a:extLst>
+          </p:cNvPr>
+          <p:cNvSpPr>
+            <a:spLocks noGrp="1"/>
+          </p:cNvSpPr>
+          <p:nvPr>
+            <p:ph type="body" sz="quarter" idx="10"/>
+          </p:nvPr>
+        </p:nvSpPr>
+        <p:spPr>
+          <a:xfrm>
+            <a:off x="269239" y="1189177"/>
+            <a:ext cx="11653523" cy="1391407"/>
+          </a:xfrm>
+        </p:spPr>
+        <p:txBody>
+          <a:bodyPr/>
+          <a:lstStyle/>
+          <a:p>
+            <a:r>
+              <a:rPr lang="en-US" dirty="0"/>
+              <a:t>Login to Docker Hub</a:t>
+            </a:r>
+          </a:p>
+          <a:p>
+            <a:r>
+              <a:rPr lang="en-US" dirty="0"/>
+              <a:t>Create Docker Hub repository</a:t>
+            </a:r>
+          </a:p>
+        </p:txBody>
+      </p:sp>
+      <p:sp>
+        <p:nvSpPr>
+          <p:cNvPr id="3" name="Title 2">
+            <a:extLst>
+              <a:ext uri="{FF2B5EF4-FFF2-40B4-BE49-F238E27FC236}">
+                <a16:creationId xmlns:a16="http://schemas.microsoft.com/office/drawing/2014/main" id="{C611A49D-1E5F-4FC2-8F23-B16D68C02DAC}"/>
+              </a:ext>
+            </a:extLst>
+          </p:cNvPr>
+          <p:cNvSpPr>
+            <a:spLocks noGrp="1"/>
+          </p:cNvSpPr>
+          <p:nvPr>
+            <p:ph type="title"/>
+          </p:nvPr>
+        </p:nvSpPr>
+        <p:spPr/>
+        <p:txBody>
+          <a:bodyPr/>
+          <a:lstStyle/>
+          <a:p>
+            <a:r>
+              <a:rPr lang="pl-PL" dirty="0" err="1"/>
+              <a:t>docker</a:t>
+            </a:r>
+            <a:r>
+              <a:rPr lang="pl-PL" dirty="0"/>
+              <a:t> </a:t>
+            </a:r>
+            <a:r>
+              <a:rPr lang="pl-PL" dirty="0" err="1"/>
+              <a:t>push</a:t>
+            </a:r>
+            <a:endParaRPr lang="en-US" dirty="0"/>
+          </a:p>
+        </p:txBody>
+      </p:sp>
+      <p:pic>
+        <p:nvPicPr>
+          <p:cNvPr id="5" name="Picture 4">
+            <a:extLst>
+              <a:ext uri="{FF2B5EF4-FFF2-40B4-BE49-F238E27FC236}">
+                <a16:creationId xmlns:a16="http://schemas.microsoft.com/office/drawing/2014/main" id="{029F2CA8-97AF-4DFC-9654-7A47293870A8}"/>
+              </a:ext>
+            </a:extLst>
+          </p:cNvPr>
+          <p:cNvPicPr>
+            <a:picLocks noChangeAspect="1"/>
+          </p:cNvPicPr>
+          <p:nvPr/>
+        </p:nvPicPr>
+        <p:blipFill>
+          <a:blip r:embed="rId2"/>
+          <a:stretch>
+            <a:fillRect/>
+          </a:stretch>
+        </p:blipFill>
+        <p:spPr>
+          <a:xfrm>
+            <a:off x="0" y="2608506"/>
+            <a:ext cx="12192000" cy="2335932"/>
+          </a:xfrm>
+          <a:prstGeom prst="rect">
+            <a:avLst/>
+          </a:prstGeom>
+        </p:spPr>
+      </p:pic>
+    </p:spTree>
+    <p:extLst>
+      <p:ext uri="{BB962C8B-B14F-4D97-AF65-F5344CB8AC3E}">
+        <p14:creationId xmlns:p14="http://schemas.microsoft.com/office/powerpoint/2010/main" val="3789633304"/>
+      </p:ext>
+    </p:extLst>
+  </p:cSld>
+  <p:clrMapOvr>
+    <a:masterClrMapping/>
+  </p:clrMapOvr>
+  <p:transition>
+    <p:fade/>
+  </p:transition>
+</p:sld>
+</file>
+
+<file path=ppt/slides/slide21.xml><?xml version="1.0" encoding="utf-8"?>
+<p:sld xmlns:a="http://schemas.openxmlformats.org/drawingml/2006/main" xmlns:r="http://schemas.openxmlformats.org/officeDocument/2006/relationships" xmlns:p="http://schemas.openxmlformats.org/presentationml/2006/main">
+  <p:cSld>
+    <p:spTree>
+      <p:nvGrpSpPr>
+        <p:cNvPr id="1" name=""/>
+        <p:cNvGrpSpPr/>
+        <p:nvPr/>
+      </p:nvGrpSpPr>
+      <p:grpSpPr>
+        <a:xfrm>
+          <a:off x="0" y="0"/>
+          <a:ext cx="0" cy="0"/>
+          <a:chOff x="0" y="0"/>
+          <a:chExt cx="0" cy="0"/>
+        </a:xfrm>
+      </p:grpSpPr>
+      <p:sp>
+        <p:nvSpPr>
+          <p:cNvPr id="2" name="Text Placeholder 1">
+            <a:extLst>
+              <a:ext uri="{FF2B5EF4-FFF2-40B4-BE49-F238E27FC236}">
                 <a16:creationId xmlns:a16="http://schemas.microsoft.com/office/drawing/2014/main" id="{BDC0E841-F437-4142-83A9-0DFA8A564B18}"/>
               </a:ext>
             </a:extLst>
@@ -8230,7 +8985,7 @@
 </p:sld>
 </file>
 
-<file path=ppt/slides/slide21.xml><?xml version="1.0" encoding="utf-8"?>
+<file path=ppt/slides/slide22.xml><?xml version="1.0" encoding="utf-8"?>
 <p:sld xmlns:a="http://schemas.openxmlformats.org/drawingml/2006/main" xmlns:r="http://schemas.openxmlformats.org/officeDocument/2006/relationships" xmlns:p="http://schemas.openxmlformats.org/presentationml/2006/main">
   <p:cSld>
     <p:spTree>
@@ -8424,7 +9179,7 @@
 </p:sld>
 </file>
 
-<file path=ppt/slides/slide22.xml><?xml version="1.0" encoding="utf-8"?>
+<file path=ppt/slides/slide23.xml><?xml version="1.0" encoding="utf-8"?>
 <p:sld xmlns:a="http://schemas.openxmlformats.org/drawingml/2006/main" xmlns:r="http://schemas.openxmlformats.org/officeDocument/2006/relationships" xmlns:p="http://schemas.openxmlformats.org/presentationml/2006/main">
   <p:cSld>
     <p:spTree>
@@ -8443,7 +9198,38 @@
       </p:grpSpPr>
       <p:sp>
         <p:nvSpPr>
-          <p:cNvPr id="4" name="Title 3"/>
+          <p:cNvPr id="2" name="Text Placeholder 1">
+            <a:extLst>
+              <a:ext uri="{FF2B5EF4-FFF2-40B4-BE49-F238E27FC236}">
+                <a16:creationId xmlns:a16="http://schemas.microsoft.com/office/drawing/2014/main" id="{6982131B-49F2-48BE-A332-4D2FEE56736D}"/>
+              </a:ext>
+            </a:extLst>
+          </p:cNvPr>
+          <p:cNvSpPr>
+            <a:spLocks noGrp="1"/>
+          </p:cNvSpPr>
+          <p:nvPr>
+            <p:ph type="body" sz="quarter" idx="10"/>
+          </p:nvPr>
+        </p:nvSpPr>
+        <p:spPr/>
+        <p:txBody>
+          <a:bodyPr/>
+          <a:lstStyle/>
+          <a:p>
+            <a:endParaRPr lang="en-US"/>
+          </a:p>
+        </p:txBody>
+      </p:sp>
+      <p:sp>
+        <p:nvSpPr>
+          <p:cNvPr id="3" name="Title 2">
+            <a:extLst>
+              <a:ext uri="{FF2B5EF4-FFF2-40B4-BE49-F238E27FC236}">
+                <a16:creationId xmlns:a16="http://schemas.microsoft.com/office/drawing/2014/main" id="{CA5CBFAE-B6F0-4467-B38D-4EA26CE34540}"/>
+              </a:ext>
+            </a:extLst>
+          </p:cNvPr>
           <p:cNvSpPr>
             <a:spLocks noGrp="1"/>
           </p:cNvSpPr>
@@ -8451,10 +9237,700 @@
             <p:ph type="title"/>
           </p:nvPr>
         </p:nvSpPr>
+        <p:spPr/>
+        <p:txBody>
+          <a:bodyPr/>
+          <a:lstStyle/>
+          <a:p>
+            <a:r>
+              <a:rPr lang="en-US" dirty="0"/>
+              <a:t>docker push</a:t>
+            </a:r>
+          </a:p>
+        </p:txBody>
+      </p:sp>
+      <p:pic>
+        <p:nvPicPr>
+          <p:cNvPr id="14338" name="Picture 2">
+            <a:extLst>
+              <a:ext uri="{FF2B5EF4-FFF2-40B4-BE49-F238E27FC236}">
+                <a16:creationId xmlns:a16="http://schemas.microsoft.com/office/drawing/2014/main" id="{B6C0CCC7-E4F4-4397-B8BE-73E2CCB3FC2A}"/>
+              </a:ext>
+            </a:extLst>
+          </p:cNvPr>
+          <p:cNvPicPr>
+            <a:picLocks noChangeAspect="1" noChangeArrowheads="1"/>
+          </p:cNvPicPr>
+          <p:nvPr/>
+        </p:nvPicPr>
+        <p:blipFill>
+          <a:blip r:embed="rId2">
+            <a:extLst>
+              <a:ext uri="{28A0092B-C50C-407E-A947-70E740481C1C}">
+                <a14:useLocalDpi xmlns:a14="http://schemas.microsoft.com/office/drawing/2010/main" val="0"/>
+              </a:ext>
+            </a:extLst>
+          </a:blip>
+          <a:srcRect/>
+          <a:stretch>
+            <a:fillRect/>
+          </a:stretch>
+        </p:blipFill>
+        <p:spPr bwMode="auto">
+          <a:xfrm>
+            <a:off x="266700" y="1733550"/>
+            <a:ext cx="11658600" cy="3390900"/>
+          </a:xfrm>
+          <a:prstGeom prst="rect">
+            <a:avLst/>
+          </a:prstGeom>
+          <a:noFill/>
+          <a:extLst>
+            <a:ext uri="{909E8E84-426E-40DD-AFC4-6F175D3DCCD1}">
+              <a14:hiddenFill xmlns:a14="http://schemas.microsoft.com/office/drawing/2010/main">
+                <a:solidFill>
+                  <a:srgbClr val="FFFFFF"/>
+                </a:solidFill>
+              </a14:hiddenFill>
+            </a:ext>
+          </a:extLst>
+        </p:spPr>
+      </p:pic>
+    </p:spTree>
+    <p:extLst>
+      <p:ext uri="{BB962C8B-B14F-4D97-AF65-F5344CB8AC3E}">
+        <p14:creationId xmlns:p14="http://schemas.microsoft.com/office/powerpoint/2010/main" val="2073727258"/>
+      </p:ext>
+    </p:extLst>
+  </p:cSld>
+  <p:clrMapOvr>
+    <a:masterClrMapping/>
+  </p:clrMapOvr>
+  <p:transition>
+    <p:fade/>
+  </p:transition>
+</p:sld>
+</file>
+
+<file path=ppt/slides/slide24.xml><?xml version="1.0" encoding="utf-8"?>
+<p:sld xmlns:a="http://schemas.openxmlformats.org/drawingml/2006/main" xmlns:r="http://schemas.openxmlformats.org/officeDocument/2006/relationships" xmlns:p="http://schemas.openxmlformats.org/presentationml/2006/main">
+  <p:cSld>
+    <p:spTree>
+      <p:nvGrpSpPr>
+        <p:cNvPr id="1" name=""/>
+        <p:cNvGrpSpPr/>
+        <p:nvPr/>
+      </p:nvGrpSpPr>
+      <p:grpSpPr>
+        <a:xfrm>
+          <a:off x="0" y="0"/>
+          <a:ext cx="0" cy="0"/>
+          <a:chOff x="0" y="0"/>
+          <a:chExt cx="0" cy="0"/>
+        </a:xfrm>
+      </p:grpSpPr>
+      <p:sp>
+        <p:nvSpPr>
+          <p:cNvPr id="2" name="Text Placeholder 1">
+            <a:extLst>
+              <a:ext uri="{FF2B5EF4-FFF2-40B4-BE49-F238E27FC236}">
+                <a16:creationId xmlns:a16="http://schemas.microsoft.com/office/drawing/2014/main" id="{4CEFF544-F16B-463E-992E-9CED70213955}"/>
+              </a:ext>
+            </a:extLst>
+          </p:cNvPr>
+          <p:cNvSpPr>
+            <a:spLocks noGrp="1"/>
+          </p:cNvSpPr>
+          <p:nvPr>
+            <p:ph type="body" sz="quarter" idx="10"/>
+          </p:nvPr>
+        </p:nvSpPr>
+        <p:spPr/>
+        <p:txBody>
+          <a:bodyPr/>
+          <a:lstStyle/>
+          <a:p>
+            <a:endParaRPr lang="en-US"/>
+          </a:p>
+        </p:txBody>
+      </p:sp>
+      <p:sp>
+        <p:nvSpPr>
+          <p:cNvPr id="3" name="Title 2">
+            <a:extLst>
+              <a:ext uri="{FF2B5EF4-FFF2-40B4-BE49-F238E27FC236}">
+                <a16:creationId xmlns:a16="http://schemas.microsoft.com/office/drawing/2014/main" id="{F2AA5EC7-3381-4CC8-9E14-30D6E81F7E00}"/>
+              </a:ext>
+            </a:extLst>
+          </p:cNvPr>
+          <p:cNvSpPr>
+            <a:spLocks noGrp="1"/>
+          </p:cNvSpPr>
+          <p:nvPr>
+            <p:ph type="title"/>
+          </p:nvPr>
+        </p:nvSpPr>
+        <p:spPr/>
+        <p:txBody>
+          <a:bodyPr/>
+          <a:lstStyle/>
+          <a:p>
+            <a:endParaRPr lang="en-US"/>
+          </a:p>
+        </p:txBody>
+      </p:sp>
+      <p:pic>
+        <p:nvPicPr>
+          <p:cNvPr id="4" name="Picture 3">
+            <a:extLst>
+              <a:ext uri="{FF2B5EF4-FFF2-40B4-BE49-F238E27FC236}">
+                <a16:creationId xmlns:a16="http://schemas.microsoft.com/office/drawing/2014/main" id="{BFC2FE61-D318-4A6A-AC53-6BCF07E489CB}"/>
+              </a:ext>
+            </a:extLst>
+          </p:cNvPr>
+          <p:cNvPicPr>
+            <a:picLocks noChangeAspect="1"/>
+          </p:cNvPicPr>
+          <p:nvPr/>
+        </p:nvPicPr>
+        <p:blipFill>
+          <a:blip r:embed="rId2"/>
+          <a:stretch>
+            <a:fillRect/>
+          </a:stretch>
+        </p:blipFill>
         <p:spPr>
           <a:xfrm>
-            <a:off x="568047" y="2084172"/>
-            <a:ext cx="11354714" cy="1826975"/>
+            <a:off x="371171" y="0"/>
+            <a:ext cx="11449658" cy="6858000"/>
+          </a:xfrm>
+          <a:prstGeom prst="rect">
+            <a:avLst/>
+          </a:prstGeom>
+        </p:spPr>
+      </p:pic>
+    </p:spTree>
+    <p:extLst>
+      <p:ext uri="{BB962C8B-B14F-4D97-AF65-F5344CB8AC3E}">
+        <p14:creationId xmlns:p14="http://schemas.microsoft.com/office/powerpoint/2010/main" val="2262327500"/>
+      </p:ext>
+    </p:extLst>
+  </p:cSld>
+  <p:clrMapOvr>
+    <a:masterClrMapping/>
+  </p:clrMapOvr>
+  <p:transition>
+    <p:fade/>
+  </p:transition>
+</p:sld>
+</file>
+
+<file path=ppt/slides/slide25.xml><?xml version="1.0" encoding="utf-8"?>
+<p:sld xmlns:a="http://schemas.openxmlformats.org/drawingml/2006/main" xmlns:r="http://schemas.openxmlformats.org/officeDocument/2006/relationships" xmlns:p="http://schemas.openxmlformats.org/presentationml/2006/main">
+  <p:cSld>
+    <p:spTree>
+      <p:nvGrpSpPr>
+        <p:cNvPr id="1" name=""/>
+        <p:cNvGrpSpPr/>
+        <p:nvPr/>
+      </p:nvGrpSpPr>
+      <p:grpSpPr>
+        <a:xfrm>
+          <a:off x="0" y="0"/>
+          <a:ext cx="0" cy="0"/>
+          <a:chOff x="0" y="0"/>
+          <a:chExt cx="0" cy="0"/>
+        </a:xfrm>
+      </p:grpSpPr>
+      <p:sp>
+        <p:nvSpPr>
+          <p:cNvPr id="2" name="Title 1">
+            <a:extLst>
+              <a:ext uri="{FF2B5EF4-FFF2-40B4-BE49-F238E27FC236}">
+                <a16:creationId xmlns:a16="http://schemas.microsoft.com/office/drawing/2014/main" id="{524C7287-25EE-41A6-A2BD-D98C5ADAF8E3}"/>
+              </a:ext>
+            </a:extLst>
+          </p:cNvPr>
+          <p:cNvSpPr>
+            <a:spLocks noGrp="1"/>
+          </p:cNvSpPr>
+          <p:nvPr>
+            <p:ph type="title"/>
+          </p:nvPr>
+        </p:nvSpPr>
+        <p:spPr/>
+        <p:txBody>
+          <a:bodyPr/>
+          <a:lstStyle/>
+          <a:p>
+            <a:r>
+              <a:rPr lang="en-US" dirty="0"/>
+              <a:t>Azure</a:t>
+            </a:r>
+          </a:p>
+        </p:txBody>
+      </p:sp>
+      <p:sp>
+        <p:nvSpPr>
+          <p:cNvPr id="6" name="Text Placeholder 5">
+            <a:extLst>
+              <a:ext uri="{FF2B5EF4-FFF2-40B4-BE49-F238E27FC236}">
+                <a16:creationId xmlns:a16="http://schemas.microsoft.com/office/drawing/2014/main" id="{96E30D7E-0B54-4079-928E-0FF0F0AE4050}"/>
+              </a:ext>
+            </a:extLst>
+          </p:cNvPr>
+          <p:cNvSpPr>
+            <a:spLocks noGrp="1"/>
+          </p:cNvSpPr>
+          <p:nvPr>
+            <p:ph type="body" sz="quarter" idx="12"/>
+          </p:nvPr>
+        </p:nvSpPr>
+        <p:spPr/>
+        <p:txBody>
+          <a:bodyPr/>
+          <a:lstStyle/>
+          <a:p>
+            <a:endParaRPr lang="en-US"/>
+          </a:p>
+        </p:txBody>
+      </p:sp>
+    </p:spTree>
+    <p:extLst>
+      <p:ext uri="{BB962C8B-B14F-4D97-AF65-F5344CB8AC3E}">
+        <p14:creationId xmlns:p14="http://schemas.microsoft.com/office/powerpoint/2010/main" val="2032308266"/>
+      </p:ext>
+    </p:extLst>
+  </p:cSld>
+  <p:clrMapOvr>
+    <a:masterClrMapping/>
+  </p:clrMapOvr>
+  <mc:AlternateContent xmlns:mc="http://schemas.openxmlformats.org/markup-compatibility/2006" xmlns:p14="http://schemas.microsoft.com/office/powerpoint/2010/main">
+    <mc:Choice Requires="p14">
+      <p:transition spd="med" p14:dur="700">
+        <p:fade/>
+      </p:transition>
+    </mc:Choice>
+    <mc:Fallback xmlns="">
+      <p:transition spd="med">
+        <p:fade/>
+      </p:transition>
+    </mc:Fallback>
+  </mc:AlternateContent>
+</p:sld>
+</file>
+
+<file path=ppt/slides/slide26.xml><?xml version="1.0" encoding="utf-8"?>
+<p:sld xmlns:a="http://schemas.openxmlformats.org/drawingml/2006/main" xmlns:r="http://schemas.openxmlformats.org/officeDocument/2006/relationships" xmlns:p="http://schemas.openxmlformats.org/presentationml/2006/main">
+  <p:cSld>
+    <p:spTree>
+      <p:nvGrpSpPr>
+        <p:cNvPr id="1" name=""/>
+        <p:cNvGrpSpPr/>
+        <p:nvPr/>
+      </p:nvGrpSpPr>
+      <p:grpSpPr>
+        <a:xfrm>
+          <a:off x="0" y="0"/>
+          <a:ext cx="0" cy="0"/>
+          <a:chOff x="0" y="0"/>
+          <a:chExt cx="0" cy="0"/>
+        </a:xfrm>
+      </p:grpSpPr>
+      <p:sp>
+        <p:nvSpPr>
+          <p:cNvPr id="2" name="Text Placeholder 1">
+            <a:extLst>
+              <a:ext uri="{FF2B5EF4-FFF2-40B4-BE49-F238E27FC236}">
+                <a16:creationId xmlns:a16="http://schemas.microsoft.com/office/drawing/2014/main" id="{EAC10439-9A2E-4726-81CB-58C253E8B9DE}"/>
+              </a:ext>
+            </a:extLst>
+          </p:cNvPr>
+          <p:cNvSpPr>
+            <a:spLocks noGrp="1"/>
+          </p:cNvSpPr>
+          <p:nvPr>
+            <p:ph type="body" sz="quarter" idx="10"/>
+          </p:nvPr>
+        </p:nvSpPr>
+        <p:spPr/>
+        <p:txBody>
+          <a:bodyPr/>
+          <a:lstStyle/>
+          <a:p>
+            <a:endParaRPr lang="en-US"/>
+          </a:p>
+        </p:txBody>
+      </p:sp>
+      <p:sp>
+        <p:nvSpPr>
+          <p:cNvPr id="3" name="Title 2">
+            <a:extLst>
+              <a:ext uri="{FF2B5EF4-FFF2-40B4-BE49-F238E27FC236}">
+                <a16:creationId xmlns:a16="http://schemas.microsoft.com/office/drawing/2014/main" id="{773E6993-B1D3-4442-934B-FDF1B8E80385}"/>
+              </a:ext>
+            </a:extLst>
+          </p:cNvPr>
+          <p:cNvSpPr>
+            <a:spLocks noGrp="1"/>
+          </p:cNvSpPr>
+          <p:nvPr>
+            <p:ph type="title"/>
+          </p:nvPr>
+        </p:nvSpPr>
+        <p:spPr/>
+        <p:txBody>
+          <a:bodyPr/>
+          <a:lstStyle/>
+          <a:p>
+            <a:endParaRPr lang="en-US"/>
+          </a:p>
+        </p:txBody>
+      </p:sp>
+      <p:pic>
+        <p:nvPicPr>
+          <p:cNvPr id="4" name="Picture 3">
+            <a:extLst>
+              <a:ext uri="{FF2B5EF4-FFF2-40B4-BE49-F238E27FC236}">
+                <a16:creationId xmlns:a16="http://schemas.microsoft.com/office/drawing/2014/main" id="{35C83175-2797-4DE1-AB1D-84DF98487CA2}"/>
+              </a:ext>
+            </a:extLst>
+          </p:cNvPr>
+          <p:cNvPicPr>
+            <a:picLocks noChangeAspect="1"/>
+          </p:cNvPicPr>
+          <p:nvPr/>
+        </p:nvPicPr>
+        <p:blipFill>
+          <a:blip r:embed="rId3"/>
+          <a:stretch>
+            <a:fillRect/>
+          </a:stretch>
+        </p:blipFill>
+        <p:spPr>
+          <a:xfrm>
+            <a:off x="0" y="133350"/>
+            <a:ext cx="12192000" cy="6591300"/>
+          </a:xfrm>
+          <a:prstGeom prst="rect">
+            <a:avLst/>
+          </a:prstGeom>
+        </p:spPr>
+      </p:pic>
+    </p:spTree>
+    <p:extLst>
+      <p:ext uri="{BB962C8B-B14F-4D97-AF65-F5344CB8AC3E}">
+        <p14:creationId xmlns:p14="http://schemas.microsoft.com/office/powerpoint/2010/main" val="803226301"/>
+      </p:ext>
+    </p:extLst>
+  </p:cSld>
+  <p:clrMapOvr>
+    <a:masterClrMapping/>
+  </p:clrMapOvr>
+  <p:transition>
+    <p:fade/>
+  </p:transition>
+</p:sld>
+</file>
+
+<file path=ppt/slides/slide27.xml><?xml version="1.0" encoding="utf-8"?>
+<p:sld xmlns:a="http://schemas.openxmlformats.org/drawingml/2006/main" xmlns:r="http://schemas.openxmlformats.org/officeDocument/2006/relationships" xmlns:p="http://schemas.openxmlformats.org/presentationml/2006/main">
+  <p:cSld>
+    <p:spTree>
+      <p:nvGrpSpPr>
+        <p:cNvPr id="1" name=""/>
+        <p:cNvGrpSpPr/>
+        <p:nvPr/>
+      </p:nvGrpSpPr>
+      <p:grpSpPr>
+        <a:xfrm>
+          <a:off x="0" y="0"/>
+          <a:ext cx="0" cy="0"/>
+          <a:chOff x="0" y="0"/>
+          <a:chExt cx="0" cy="0"/>
+        </a:xfrm>
+      </p:grpSpPr>
+      <p:sp>
+        <p:nvSpPr>
+          <p:cNvPr id="2" name="Text Placeholder 1">
+            <a:extLst>
+              <a:ext uri="{FF2B5EF4-FFF2-40B4-BE49-F238E27FC236}">
+                <a16:creationId xmlns:a16="http://schemas.microsoft.com/office/drawing/2014/main" id="{AE544F34-BE04-4BB5-B146-721FCCB3F41B}"/>
+              </a:ext>
+            </a:extLst>
+          </p:cNvPr>
+          <p:cNvSpPr>
+            <a:spLocks noGrp="1"/>
+          </p:cNvSpPr>
+          <p:nvPr>
+            <p:ph type="body" sz="quarter" idx="10"/>
+          </p:nvPr>
+        </p:nvSpPr>
+        <p:spPr/>
+        <p:txBody>
+          <a:bodyPr/>
+          <a:lstStyle/>
+          <a:p>
+            <a:endParaRPr lang="en-US"/>
+          </a:p>
+        </p:txBody>
+      </p:sp>
+      <p:sp>
+        <p:nvSpPr>
+          <p:cNvPr id="3" name="Title 2">
+            <a:extLst>
+              <a:ext uri="{FF2B5EF4-FFF2-40B4-BE49-F238E27FC236}">
+                <a16:creationId xmlns:a16="http://schemas.microsoft.com/office/drawing/2014/main" id="{E087BAF1-2543-4AD4-BE96-032D621867E4}"/>
+              </a:ext>
+            </a:extLst>
+          </p:cNvPr>
+          <p:cNvSpPr>
+            <a:spLocks noGrp="1"/>
+          </p:cNvSpPr>
+          <p:nvPr>
+            <p:ph type="title"/>
+          </p:nvPr>
+        </p:nvSpPr>
+        <p:spPr/>
+        <p:txBody>
+          <a:bodyPr/>
+          <a:lstStyle/>
+          <a:p>
+            <a:endParaRPr lang="en-US"/>
+          </a:p>
+        </p:txBody>
+      </p:sp>
+      <p:pic>
+        <p:nvPicPr>
+          <p:cNvPr id="4" name="Picture 3">
+            <a:extLst>
+              <a:ext uri="{FF2B5EF4-FFF2-40B4-BE49-F238E27FC236}">
+                <a16:creationId xmlns:a16="http://schemas.microsoft.com/office/drawing/2014/main" id="{24525401-5B1C-464A-ACCD-FC2F315A71E0}"/>
+              </a:ext>
+            </a:extLst>
+          </p:cNvPr>
+          <p:cNvPicPr>
+            <a:picLocks noChangeAspect="1"/>
+          </p:cNvPicPr>
+          <p:nvPr/>
+        </p:nvPicPr>
+        <p:blipFill>
+          <a:blip r:embed="rId2"/>
+          <a:stretch>
+            <a:fillRect/>
+          </a:stretch>
+        </p:blipFill>
+        <p:spPr>
+          <a:xfrm>
+            <a:off x="2584413" y="0"/>
+            <a:ext cx="7023173" cy="6858000"/>
+          </a:xfrm>
+          <a:prstGeom prst="rect">
+            <a:avLst/>
+          </a:prstGeom>
+        </p:spPr>
+      </p:pic>
+    </p:spTree>
+    <p:extLst>
+      <p:ext uri="{BB962C8B-B14F-4D97-AF65-F5344CB8AC3E}">
+        <p14:creationId xmlns:p14="http://schemas.microsoft.com/office/powerpoint/2010/main" val="2211541413"/>
+      </p:ext>
+    </p:extLst>
+  </p:cSld>
+  <p:clrMapOvr>
+    <a:masterClrMapping/>
+  </p:clrMapOvr>
+  <p:transition>
+    <p:fade/>
+  </p:transition>
+</p:sld>
+</file>
+
+<file path=ppt/slides/slide28.xml><?xml version="1.0" encoding="utf-8"?>
+<p:sld xmlns:a="http://schemas.openxmlformats.org/drawingml/2006/main" xmlns:r="http://schemas.openxmlformats.org/officeDocument/2006/relationships" xmlns:p="http://schemas.openxmlformats.org/presentationml/2006/main">
+  <p:cSld>
+    <p:spTree>
+      <p:nvGrpSpPr>
+        <p:cNvPr id="1" name=""/>
+        <p:cNvGrpSpPr/>
+        <p:nvPr/>
+      </p:nvGrpSpPr>
+      <p:grpSpPr>
+        <a:xfrm>
+          <a:off x="0" y="0"/>
+          <a:ext cx="0" cy="0"/>
+          <a:chOff x="0" y="0"/>
+          <a:chExt cx="0" cy="0"/>
+        </a:xfrm>
+      </p:grpSpPr>
+      <p:sp>
+        <p:nvSpPr>
+          <p:cNvPr id="2" name="Text Placeholder 1">
+            <a:extLst>
+              <a:ext uri="{FF2B5EF4-FFF2-40B4-BE49-F238E27FC236}">
+                <a16:creationId xmlns:a16="http://schemas.microsoft.com/office/drawing/2014/main" id="{CFBC2795-3044-4513-8B08-144E2E9EC0A1}"/>
+              </a:ext>
+            </a:extLst>
+          </p:cNvPr>
+          <p:cNvSpPr>
+            <a:spLocks noGrp="1"/>
+          </p:cNvSpPr>
+          <p:nvPr>
+            <p:ph type="body" sz="quarter" idx="10"/>
+          </p:nvPr>
+        </p:nvSpPr>
+        <p:spPr/>
+        <p:txBody>
+          <a:bodyPr/>
+          <a:lstStyle/>
+          <a:p>
+            <a:endParaRPr lang="en-US"/>
+          </a:p>
+        </p:txBody>
+      </p:sp>
+      <p:sp>
+        <p:nvSpPr>
+          <p:cNvPr id="3" name="Title 2">
+            <a:extLst>
+              <a:ext uri="{FF2B5EF4-FFF2-40B4-BE49-F238E27FC236}">
+                <a16:creationId xmlns:a16="http://schemas.microsoft.com/office/drawing/2014/main" id="{0538C2D9-6C4C-40A5-A0AD-60A4284653D8}"/>
+              </a:ext>
+            </a:extLst>
+          </p:cNvPr>
+          <p:cNvSpPr>
+            <a:spLocks noGrp="1"/>
+          </p:cNvSpPr>
+          <p:nvPr>
+            <p:ph type="title"/>
+          </p:nvPr>
+        </p:nvSpPr>
+        <p:spPr/>
+        <p:txBody>
+          <a:bodyPr/>
+          <a:lstStyle/>
+          <a:p>
+            <a:endParaRPr lang="en-US"/>
+          </a:p>
+        </p:txBody>
+      </p:sp>
+      <p:sp>
+        <p:nvSpPr>
+          <p:cNvPr id="5" name="TextBox 4">
+            <a:extLst>
+              <a:ext uri="{FF2B5EF4-FFF2-40B4-BE49-F238E27FC236}">
+                <a16:creationId xmlns:a16="http://schemas.microsoft.com/office/drawing/2014/main" id="{8AA126A3-44B3-4D3E-8318-6D1E1C863403}"/>
+              </a:ext>
+            </a:extLst>
+          </p:cNvPr>
+          <p:cNvSpPr txBox="1"/>
+          <p:nvPr/>
+        </p:nvSpPr>
+        <p:spPr>
+          <a:xfrm>
+            <a:off x="3328416" y="3244334"/>
+            <a:ext cx="6656832" cy="369332"/>
+          </a:xfrm>
+          <a:prstGeom prst="rect">
+            <a:avLst/>
+          </a:prstGeom>
+          <a:noFill/>
+        </p:spPr>
+        <p:txBody>
+          <a:bodyPr wrap="square">
+            <a:spAutoFit/>
+          </a:bodyPr>
+          <a:lstStyle/>
+          <a:p>
+            <a:r>
+              <a:rPr lang="en-US" dirty="0"/>
+              <a:t> </a:t>
+            </a:r>
+          </a:p>
+        </p:txBody>
+      </p:sp>
+      <p:pic>
+        <p:nvPicPr>
+          <p:cNvPr id="8" name="Picture 7">
+            <a:extLst>
+              <a:ext uri="{FF2B5EF4-FFF2-40B4-BE49-F238E27FC236}">
+                <a16:creationId xmlns:a16="http://schemas.microsoft.com/office/drawing/2014/main" id="{6ECFAC1F-77EC-4CE8-9B17-7DE1D35BE042}"/>
+              </a:ext>
+            </a:extLst>
+          </p:cNvPr>
+          <p:cNvPicPr>
+            <a:picLocks noChangeAspect="1"/>
+          </p:cNvPicPr>
+          <p:nvPr/>
+        </p:nvPicPr>
+        <p:blipFill>
+          <a:blip r:embed="rId2"/>
+          <a:stretch>
+            <a:fillRect/>
+          </a:stretch>
+        </p:blipFill>
+        <p:spPr>
+          <a:xfrm>
+            <a:off x="2384160" y="0"/>
+            <a:ext cx="7423680" cy="6858000"/>
+          </a:xfrm>
+          <a:prstGeom prst="rect">
+            <a:avLst/>
+          </a:prstGeom>
+        </p:spPr>
+      </p:pic>
+    </p:spTree>
+    <p:extLst>
+      <p:ext uri="{BB962C8B-B14F-4D97-AF65-F5344CB8AC3E}">
+        <p14:creationId xmlns:p14="http://schemas.microsoft.com/office/powerpoint/2010/main" val="695627217"/>
+      </p:ext>
+    </p:extLst>
+  </p:cSld>
+  <p:clrMapOvr>
+    <a:masterClrMapping/>
+  </p:clrMapOvr>
+  <p:transition>
+    <p:fade/>
+  </p:transition>
+</p:sld>
+</file>
+
+<file path=ppt/slides/slide29.xml><?xml version="1.0" encoding="utf-8"?>
+<p:sld xmlns:a="http://schemas.openxmlformats.org/drawingml/2006/main" xmlns:r="http://schemas.openxmlformats.org/officeDocument/2006/relationships" xmlns:p="http://schemas.openxmlformats.org/presentationml/2006/main">
+  <p:cSld>
+    <p:spTree>
+      <p:nvGrpSpPr>
+        <p:cNvPr id="1" name=""/>
+        <p:cNvGrpSpPr/>
+        <p:nvPr/>
+      </p:nvGrpSpPr>
+      <p:grpSpPr>
+        <a:xfrm>
+          <a:off x="0" y="0"/>
+          <a:ext cx="0" cy="0"/>
+          <a:chOff x="0" y="0"/>
+          <a:chExt cx="0" cy="0"/>
+        </a:xfrm>
+      </p:grpSpPr>
+      <p:sp>
+        <p:nvSpPr>
+          <p:cNvPr id="2" name="Text Placeholder 1">
+            <a:extLst>
+              <a:ext uri="{FF2B5EF4-FFF2-40B4-BE49-F238E27FC236}">
+                <a16:creationId xmlns:a16="http://schemas.microsoft.com/office/drawing/2014/main" id="{89F395AC-6DE5-4C67-B817-B3D533FDFF42}"/>
+              </a:ext>
+            </a:extLst>
+          </p:cNvPr>
+          <p:cNvSpPr>
+            <a:spLocks noGrp="1"/>
+          </p:cNvSpPr>
+          <p:nvPr>
+            <p:ph type="body" sz="quarter" idx="10"/>
+          </p:nvPr>
+        </p:nvSpPr>
+        <p:spPr>
+          <a:xfrm>
+            <a:off x="269239" y="1189177"/>
+            <a:ext cx="11653523" cy="4444486"/>
           </a:xfrm>
         </p:spPr>
         <p:txBody>
@@ -8463,23 +9939,93 @@
           <a:p>
             <a:r>
               <a:rPr lang="en-US" dirty="0"/>
-              <a:t>Thanks!</a:t>
-            </a:r>
-            <a:br>
+              <a:t>Set configuration to release</a:t>
+            </a:r>
+          </a:p>
+          <a:p>
+            <a:r>
               <a:rPr lang="en-US" dirty="0"/>
-            </a:br>
-            <a:r>
-              <a:rPr lang="en-US" sz="4800" dirty="0"/>
-              <a:t>Questions?</a:t>
-            </a:r>
+              <a:t>Remove </a:t>
+            </a:r>
+            <a:r>
+              <a:rPr lang="en-US" dirty="0" err="1"/>
+              <a:t>HttpsRedirect</a:t>
+            </a:r>
+            <a:r>
+              <a:rPr lang="en-US" dirty="0"/>
+              <a:t> form startup</a:t>
+            </a:r>
+          </a:p>
+          <a:p>
+            <a:r>
+              <a:rPr lang="en-US" dirty="0"/>
+              <a:t>Remove image </a:t>
+            </a:r>
+          </a:p>
+          <a:p>
+            <a:pPr lvl="1"/>
+            <a:r>
+              <a:rPr lang="en-US" dirty="0"/>
+              <a:t>docker </a:t>
+            </a:r>
+            <a:r>
+              <a:rPr lang="en-US" dirty="0" err="1"/>
+              <a:t>rmi</a:t>
+            </a:r>
+            <a:r>
+              <a:rPr lang="en-US" dirty="0"/>
+              <a:t> xxx –f</a:t>
+            </a:r>
+          </a:p>
+          <a:p>
+            <a:r>
+              <a:rPr lang="en-US" dirty="0"/>
+              <a:t>Add tag</a:t>
+            </a:r>
+          </a:p>
+          <a:p>
+            <a:r>
+              <a:rPr lang="en-US" dirty="0"/>
+              <a:t>Push image</a:t>
+            </a:r>
+          </a:p>
+          <a:p>
             <a:endParaRPr lang="en-US" dirty="0"/>
+          </a:p>
+        </p:txBody>
+      </p:sp>
+      <p:sp>
+        <p:nvSpPr>
+          <p:cNvPr id="3" name="Title 2">
+            <a:extLst>
+              <a:ext uri="{FF2B5EF4-FFF2-40B4-BE49-F238E27FC236}">
+                <a16:creationId xmlns:a16="http://schemas.microsoft.com/office/drawing/2014/main" id="{06336C28-CAD2-4237-A2F0-7732137EB524}"/>
+              </a:ext>
+            </a:extLst>
+          </p:cNvPr>
+          <p:cNvSpPr>
+            <a:spLocks noGrp="1"/>
+          </p:cNvSpPr>
+          <p:nvPr>
+            <p:ph type="title"/>
+          </p:nvPr>
+        </p:nvSpPr>
+        <p:spPr/>
+        <p:txBody>
+          <a:bodyPr/>
+          <a:lstStyle/>
+          <a:p>
+            <a:r>
+              <a:rPr lang="en-US" dirty="0"/>
+              <a:t>Prepare image once again</a:t>
+            </a:r>
           </a:p>
         </p:txBody>
       </p:sp>
     </p:spTree>
     <p:extLst>
       <p:ext uri="{BB962C8B-B14F-4D97-AF65-F5344CB8AC3E}">
-        <p14:creationId xmlns:p14="http://schemas.microsoft.com/office/powerpoint/2010/main" val="1849912882"/>
+        <p14:creationId xmlns:p14="http://schemas.microsoft.com/office/powerpoint/2010/main" val="1840910162"/>
       </p:ext>
     </p:extLst>
   </p:cSld>
@@ -8549,6 +10095,74 @@
     <p:extLst>
       <p:ext uri="{BB962C8B-B14F-4D97-AF65-F5344CB8AC3E}">
         <p14:creationId xmlns:p14="http://schemas.microsoft.com/office/powerpoint/2010/main" val="325187420"/>
+      </p:ext>
+    </p:extLst>
+  </p:cSld>
+  <p:clrMapOvr>
+    <a:masterClrMapping/>
+  </p:clrMapOvr>
+  <p:transition>
+    <p:fade/>
+  </p:transition>
+</p:sld>
+</file>
+
+<file path=ppt/slides/slide30.xml><?xml version="1.0" encoding="utf-8"?>
+<p:sld xmlns:a="http://schemas.openxmlformats.org/drawingml/2006/main" xmlns:r="http://schemas.openxmlformats.org/officeDocument/2006/relationships" xmlns:p="http://schemas.openxmlformats.org/presentationml/2006/main">
+  <p:cSld>
+    <p:spTree>
+      <p:nvGrpSpPr>
+        <p:cNvPr id="1" name=""/>
+        <p:cNvGrpSpPr/>
+        <p:nvPr/>
+      </p:nvGrpSpPr>
+      <p:grpSpPr>
+        <a:xfrm>
+          <a:off x="0" y="0"/>
+          <a:ext cx="0" cy="0"/>
+          <a:chOff x="0" y="0"/>
+          <a:chExt cx="0" cy="0"/>
+        </a:xfrm>
+      </p:grpSpPr>
+      <p:sp>
+        <p:nvSpPr>
+          <p:cNvPr id="4" name="Title 3"/>
+          <p:cNvSpPr>
+            <a:spLocks noGrp="1"/>
+          </p:cNvSpPr>
+          <p:nvPr>
+            <p:ph type="title"/>
+          </p:nvPr>
+        </p:nvSpPr>
+        <p:spPr>
+          <a:xfrm>
+            <a:off x="568047" y="2084172"/>
+            <a:ext cx="11354714" cy="1826975"/>
+          </a:xfrm>
+        </p:spPr>
+        <p:txBody>
+          <a:bodyPr/>
+          <a:lstStyle/>
+          <a:p>
+            <a:r>
+              <a:rPr lang="en-US" dirty="0"/>
+              <a:t>Thanks!</a:t>
+            </a:r>
+            <a:br>
+              <a:rPr lang="en-US" dirty="0"/>
+            </a:br>
+            <a:r>
+              <a:rPr lang="en-US" sz="4800" dirty="0"/>
+              <a:t>Questions?</a:t>
+            </a:r>
+            <a:endParaRPr lang="en-US" dirty="0"/>
+          </a:p>
+        </p:txBody>
+      </p:sp>
+    </p:spTree>
+    <p:extLst>
+      <p:ext uri="{BB962C8B-B14F-4D97-AF65-F5344CB8AC3E}">
+        <p14:creationId xmlns:p14="http://schemas.microsoft.com/office/powerpoint/2010/main" val="1849912882"/>
       </p:ext>
     </p:extLst>
   </p:cSld>
@@ -8780,7 +10394,7 @@
           <a:bodyPr/>
           <a:lstStyle/>
           <a:p>
-            <a:endParaRPr lang="en-US"/>
+            <a:endParaRPr lang="en-US" dirty="0"/>
           </a:p>
         </p:txBody>
       </p:sp>
@@ -8877,7 +10491,7 @@
           <a:bodyPr/>
           <a:lstStyle/>
           <a:p>
-            <a:endParaRPr lang="en-US"/>
+            <a:endParaRPr lang="en-US" dirty="0"/>
           </a:p>
         </p:txBody>
       </p:sp>
@@ -8902,7 +10516,7 @@
           <a:bodyPr/>
           <a:lstStyle/>
           <a:p>
-            <a:endParaRPr lang="en-US"/>
+            <a:endParaRPr lang="en-US" dirty="0"/>
           </a:p>
         </p:txBody>
       </p:sp>
@@ -9106,7 +10720,7 @@
           <a:bodyPr/>
           <a:lstStyle/>
           <a:p>
-            <a:endParaRPr lang="en-US"/>
+            <a:endParaRPr lang="en-US" dirty="0"/>
           </a:p>
         </p:txBody>
       </p:sp>

--- a/5.workshop2.pptx
+++ b/5.workshop2.pptx
@@ -5,10 +5,10 @@
     <p:sldMasterId id="2147483753" r:id="rId4"/>
   </p:sldMasterIdLst>
   <p:notesMasterIdLst>
-    <p:notesMasterId r:id="rId35"/>
+    <p:notesMasterId r:id="rId41"/>
   </p:notesMasterIdLst>
   <p:handoutMasterIdLst>
-    <p:handoutMasterId r:id="rId36"/>
+    <p:handoutMasterId r:id="rId42"/>
   </p:handoutMasterIdLst>
   <p:sldIdLst>
     <p:sldId id="317" r:id="rId5"/>
@@ -41,6 +41,12 @@
     <p:sldId id="940" r:id="rId32"/>
     <p:sldId id="941" r:id="rId33"/>
     <p:sldId id="856" r:id="rId34"/>
+    <p:sldId id="944" r:id="rId35"/>
+    <p:sldId id="945" r:id="rId36"/>
+    <p:sldId id="946" r:id="rId37"/>
+    <p:sldId id="947" r:id="rId38"/>
+    <p:sldId id="948" r:id="rId39"/>
+    <p:sldId id="942" r:id="rId40"/>
   </p:sldIdLst>
   <p:sldSz cx="12192000" cy="6858000"/>
   <p:notesSz cx="7315200" cy="9601200"/>
@@ -701,7 +707,7 @@
           <a:p>
             <a:fld id="{6A4A805B-461C-4670-9402-81E801250286}" type="datetimeFigureOut">
               <a:rPr lang="en-US" smtClean="0"/>
-              <a:t>7/7/2020</a:t>
+              <a:t>7/8/2020</a:t>
             </a:fld>
             <a:endParaRPr lang="en-US" dirty="0"/>
           </a:p>
@@ -10137,6 +10143,615 @@
         <p:spPr>
           <a:xfrm>
             <a:off x="568047" y="2084172"/>
+            <a:ext cx="11354714" cy="1162178"/>
+          </a:xfrm>
+        </p:spPr>
+        <p:txBody>
+          <a:bodyPr/>
+          <a:lstStyle/>
+          <a:p>
+            <a:r>
+              <a:rPr lang="en-US" dirty="0"/>
+              <a:t>Self-hosted docker registry</a:t>
+            </a:r>
+          </a:p>
+        </p:txBody>
+      </p:sp>
+      <p:sp>
+        <p:nvSpPr>
+          <p:cNvPr id="5" name="TextBox 4">
+            <a:extLst>
+              <a:ext uri="{FF2B5EF4-FFF2-40B4-BE49-F238E27FC236}">
+                <a16:creationId xmlns:a16="http://schemas.microsoft.com/office/drawing/2014/main" id="{F2ABBF06-BC55-43D0-ADFF-0D4CA7E90DEB}"/>
+              </a:ext>
+            </a:extLst>
+          </p:cNvPr>
+          <p:cNvSpPr txBox="1"/>
+          <p:nvPr/>
+        </p:nvSpPr>
+        <p:spPr>
+          <a:xfrm>
+            <a:off x="568047" y="5362251"/>
+            <a:ext cx="8700246" cy="954107"/>
+          </a:xfrm>
+          <a:prstGeom prst="rect">
+            <a:avLst/>
+          </a:prstGeom>
+          <a:noFill/>
+        </p:spPr>
+        <p:txBody>
+          <a:bodyPr wrap="square">
+            <a:spAutoFit/>
+          </a:bodyPr>
+          <a:lstStyle/>
+          <a:p>
+            <a:r>
+              <a:rPr lang="en-US" sz="2800" dirty="0">
+                <a:solidFill>
+                  <a:schemeClr val="bg1"/>
+                </a:solidFill>
+                <a:hlinkClick r:id="rId2">
+                  <a:extLst>
+                    <a:ext uri="{A12FA001-AC4F-418D-AE19-62706E023703}">
+                      <ahyp:hlinkClr xmlns:ahyp="http://schemas.microsoft.com/office/drawing/2018/hyperlinkcolor" val="tx"/>
+                    </a:ext>
+                  </a:extLst>
+                </a:hlinkClick>
+              </a:rPr>
+              <a:t>https://github.com/g0t4/course-implementing-self-hosted-docker-registry</a:t>
+            </a:r>
+            <a:endParaRPr lang="en-US" sz="2800" dirty="0">
+              <a:solidFill>
+                <a:schemeClr val="bg1"/>
+              </a:solidFill>
+            </a:endParaRPr>
+          </a:p>
+        </p:txBody>
+      </p:sp>
+    </p:spTree>
+    <p:extLst>
+      <p:ext uri="{BB962C8B-B14F-4D97-AF65-F5344CB8AC3E}">
+        <p14:creationId xmlns:p14="http://schemas.microsoft.com/office/powerpoint/2010/main" val="1849912882"/>
+      </p:ext>
+    </p:extLst>
+  </p:cSld>
+  <p:clrMapOvr>
+    <a:masterClrMapping/>
+  </p:clrMapOvr>
+  <p:transition>
+    <p:fade/>
+  </p:transition>
+</p:sld>
+</file>
+
+<file path=ppt/slides/slide31.xml><?xml version="1.0" encoding="utf-8"?>
+<p:sld xmlns:a="http://schemas.openxmlformats.org/drawingml/2006/main" xmlns:r="http://schemas.openxmlformats.org/officeDocument/2006/relationships" xmlns:p="http://schemas.openxmlformats.org/presentationml/2006/main">
+  <p:cSld>
+    <p:spTree>
+      <p:nvGrpSpPr>
+        <p:cNvPr id="1" name=""/>
+        <p:cNvGrpSpPr/>
+        <p:nvPr/>
+      </p:nvGrpSpPr>
+      <p:grpSpPr>
+        <a:xfrm>
+          <a:off x="0" y="0"/>
+          <a:ext cx="0" cy="0"/>
+          <a:chOff x="0" y="0"/>
+          <a:chExt cx="0" cy="0"/>
+        </a:xfrm>
+      </p:grpSpPr>
+      <p:sp>
+        <p:nvSpPr>
+          <p:cNvPr id="2" name="Title 1">
+            <a:extLst>
+              <a:ext uri="{FF2B5EF4-FFF2-40B4-BE49-F238E27FC236}">
+                <a16:creationId xmlns:a16="http://schemas.microsoft.com/office/drawing/2014/main" id="{4276A8DC-E687-4734-B378-73AE80256DB1}"/>
+              </a:ext>
+            </a:extLst>
+          </p:cNvPr>
+          <p:cNvSpPr>
+            <a:spLocks noGrp="1"/>
+          </p:cNvSpPr>
+          <p:nvPr>
+            <p:ph type="title"/>
+          </p:nvPr>
+        </p:nvSpPr>
+        <p:spPr/>
+        <p:txBody>
+          <a:bodyPr/>
+          <a:lstStyle/>
+          <a:p>
+            <a:endParaRPr lang="en-US"/>
+          </a:p>
+        </p:txBody>
+      </p:sp>
+      <p:pic>
+        <p:nvPicPr>
+          <p:cNvPr id="3" name="Picture 2">
+            <a:extLst>
+              <a:ext uri="{FF2B5EF4-FFF2-40B4-BE49-F238E27FC236}">
+                <a16:creationId xmlns:a16="http://schemas.microsoft.com/office/drawing/2014/main" id="{EF64488E-9B97-44ED-B29B-83A7B858DD7B}"/>
+              </a:ext>
+            </a:extLst>
+          </p:cNvPr>
+          <p:cNvPicPr>
+            <a:picLocks noChangeAspect="1"/>
+          </p:cNvPicPr>
+          <p:nvPr/>
+        </p:nvPicPr>
+        <p:blipFill>
+          <a:blip r:embed="rId2"/>
+          <a:stretch>
+            <a:fillRect/>
+          </a:stretch>
+        </p:blipFill>
+        <p:spPr>
+          <a:xfrm>
+            <a:off x="0" y="512692"/>
+            <a:ext cx="12192000" cy="5832616"/>
+          </a:xfrm>
+          <a:prstGeom prst="rect">
+            <a:avLst/>
+          </a:prstGeom>
+        </p:spPr>
+      </p:pic>
+    </p:spTree>
+    <p:extLst>
+      <p:ext uri="{BB962C8B-B14F-4D97-AF65-F5344CB8AC3E}">
+        <p14:creationId xmlns:p14="http://schemas.microsoft.com/office/powerpoint/2010/main" val="681776525"/>
+      </p:ext>
+    </p:extLst>
+  </p:cSld>
+  <p:clrMapOvr>
+    <a:masterClrMapping/>
+  </p:clrMapOvr>
+  <p:transition>
+    <p:fade/>
+  </p:transition>
+</p:sld>
+</file>
+
+<file path=ppt/slides/slide32.xml><?xml version="1.0" encoding="utf-8"?>
+<p:sld xmlns:a="http://schemas.openxmlformats.org/drawingml/2006/main" xmlns:r="http://schemas.openxmlformats.org/officeDocument/2006/relationships" xmlns:p="http://schemas.openxmlformats.org/presentationml/2006/main">
+  <p:cSld>
+    <p:spTree>
+      <p:nvGrpSpPr>
+        <p:cNvPr id="1" name=""/>
+        <p:cNvGrpSpPr/>
+        <p:nvPr/>
+      </p:nvGrpSpPr>
+      <p:grpSpPr>
+        <a:xfrm>
+          <a:off x="0" y="0"/>
+          <a:ext cx="0" cy="0"/>
+          <a:chOff x="0" y="0"/>
+          <a:chExt cx="0" cy="0"/>
+        </a:xfrm>
+      </p:grpSpPr>
+      <p:sp>
+        <p:nvSpPr>
+          <p:cNvPr id="2" name="Title 1">
+            <a:extLst>
+              <a:ext uri="{FF2B5EF4-FFF2-40B4-BE49-F238E27FC236}">
+                <a16:creationId xmlns:a16="http://schemas.microsoft.com/office/drawing/2014/main" id="{B200A3B4-C1A2-4869-BB77-8E2C4B11E00A}"/>
+              </a:ext>
+            </a:extLst>
+          </p:cNvPr>
+          <p:cNvSpPr>
+            <a:spLocks noGrp="1"/>
+          </p:cNvSpPr>
+          <p:nvPr>
+            <p:ph type="title"/>
+          </p:nvPr>
+        </p:nvSpPr>
+        <p:spPr/>
+        <p:txBody>
+          <a:bodyPr/>
+          <a:lstStyle/>
+          <a:p>
+            <a:endParaRPr lang="en-US"/>
+          </a:p>
+        </p:txBody>
+      </p:sp>
+      <p:pic>
+        <p:nvPicPr>
+          <p:cNvPr id="3" name="Picture 2">
+            <a:extLst>
+              <a:ext uri="{FF2B5EF4-FFF2-40B4-BE49-F238E27FC236}">
+                <a16:creationId xmlns:a16="http://schemas.microsoft.com/office/drawing/2014/main" id="{C66DC583-48C1-4521-AE8A-B656F4388BDA}"/>
+              </a:ext>
+            </a:extLst>
+          </p:cNvPr>
+          <p:cNvPicPr>
+            <a:picLocks noChangeAspect="1"/>
+          </p:cNvPicPr>
+          <p:nvPr/>
+        </p:nvPicPr>
+        <p:blipFill>
+          <a:blip r:embed="rId2"/>
+          <a:stretch>
+            <a:fillRect/>
+          </a:stretch>
+        </p:blipFill>
+        <p:spPr>
+          <a:xfrm>
+            <a:off x="486711" y="0"/>
+            <a:ext cx="11218578" cy="6858000"/>
+          </a:xfrm>
+          <a:prstGeom prst="rect">
+            <a:avLst/>
+          </a:prstGeom>
+        </p:spPr>
+      </p:pic>
+    </p:spTree>
+    <p:extLst>
+      <p:ext uri="{BB962C8B-B14F-4D97-AF65-F5344CB8AC3E}">
+        <p14:creationId xmlns:p14="http://schemas.microsoft.com/office/powerpoint/2010/main" val="598194657"/>
+      </p:ext>
+    </p:extLst>
+  </p:cSld>
+  <p:clrMapOvr>
+    <a:masterClrMapping/>
+  </p:clrMapOvr>
+  <p:transition>
+    <p:fade/>
+  </p:transition>
+</p:sld>
+</file>
+
+<file path=ppt/slides/slide33.xml><?xml version="1.0" encoding="utf-8"?>
+<p:sld xmlns:a="http://schemas.openxmlformats.org/drawingml/2006/main" xmlns:r="http://schemas.openxmlformats.org/officeDocument/2006/relationships" xmlns:p="http://schemas.openxmlformats.org/presentationml/2006/main">
+  <p:cSld>
+    <p:spTree>
+      <p:nvGrpSpPr>
+        <p:cNvPr id="1" name=""/>
+        <p:cNvGrpSpPr/>
+        <p:nvPr/>
+      </p:nvGrpSpPr>
+      <p:grpSpPr>
+        <a:xfrm>
+          <a:off x="0" y="0"/>
+          <a:ext cx="0" cy="0"/>
+          <a:chOff x="0" y="0"/>
+          <a:chExt cx="0" cy="0"/>
+        </a:xfrm>
+      </p:grpSpPr>
+      <p:sp>
+        <p:nvSpPr>
+          <p:cNvPr id="2" name="Title 1">
+            <a:extLst>
+              <a:ext uri="{FF2B5EF4-FFF2-40B4-BE49-F238E27FC236}">
+                <a16:creationId xmlns:a16="http://schemas.microsoft.com/office/drawing/2014/main" id="{02BCCBB6-23DC-416C-8DDA-6E440F3A92F0}"/>
+              </a:ext>
+            </a:extLst>
+          </p:cNvPr>
+          <p:cNvSpPr>
+            <a:spLocks noGrp="1"/>
+          </p:cNvSpPr>
+          <p:nvPr>
+            <p:ph type="title"/>
+          </p:nvPr>
+        </p:nvSpPr>
+        <p:spPr/>
+        <p:txBody>
+          <a:bodyPr/>
+          <a:lstStyle/>
+          <a:p>
+            <a:r>
+              <a:rPr lang="en-US" dirty="0"/>
+              <a:t>Securing private registry</a:t>
+            </a:r>
+          </a:p>
+        </p:txBody>
+      </p:sp>
+      <p:pic>
+        <p:nvPicPr>
+          <p:cNvPr id="3" name="Picture 2">
+            <a:extLst>
+              <a:ext uri="{FF2B5EF4-FFF2-40B4-BE49-F238E27FC236}">
+                <a16:creationId xmlns:a16="http://schemas.microsoft.com/office/drawing/2014/main" id="{82F52290-1EEF-48EF-B162-B52E933E0498}"/>
+              </a:ext>
+            </a:extLst>
+          </p:cNvPr>
+          <p:cNvPicPr>
+            <a:picLocks noChangeAspect="1"/>
+          </p:cNvPicPr>
+          <p:nvPr/>
+        </p:nvPicPr>
+        <p:blipFill>
+          <a:blip r:embed="rId2"/>
+          <a:stretch>
+            <a:fillRect/>
+          </a:stretch>
+        </p:blipFill>
+        <p:spPr>
+          <a:xfrm>
+            <a:off x="2194560" y="1115428"/>
+            <a:ext cx="9683855" cy="5742572"/>
+          </a:xfrm>
+          <a:prstGeom prst="rect">
+            <a:avLst/>
+          </a:prstGeom>
+        </p:spPr>
+      </p:pic>
+    </p:spTree>
+    <p:extLst>
+      <p:ext uri="{BB962C8B-B14F-4D97-AF65-F5344CB8AC3E}">
+        <p14:creationId xmlns:p14="http://schemas.microsoft.com/office/powerpoint/2010/main" val="188848778"/>
+      </p:ext>
+    </p:extLst>
+  </p:cSld>
+  <p:clrMapOvr>
+    <a:masterClrMapping/>
+  </p:clrMapOvr>
+  <p:transition>
+    <p:fade/>
+  </p:transition>
+</p:sld>
+</file>
+
+<file path=ppt/slides/slide34.xml><?xml version="1.0" encoding="utf-8"?>
+<p:sld xmlns:a="http://schemas.openxmlformats.org/drawingml/2006/main" xmlns:r="http://schemas.openxmlformats.org/officeDocument/2006/relationships" xmlns:p="http://schemas.openxmlformats.org/presentationml/2006/main">
+  <p:cSld>
+    <p:spTree>
+      <p:nvGrpSpPr>
+        <p:cNvPr id="1" name=""/>
+        <p:cNvGrpSpPr/>
+        <p:nvPr/>
+      </p:nvGrpSpPr>
+      <p:grpSpPr>
+        <a:xfrm>
+          <a:off x="0" y="0"/>
+          <a:ext cx="0" cy="0"/>
+          <a:chOff x="0" y="0"/>
+          <a:chExt cx="0" cy="0"/>
+        </a:xfrm>
+      </p:grpSpPr>
+      <p:sp>
+        <p:nvSpPr>
+          <p:cNvPr id="2" name="Title 1">
+            <a:extLst>
+              <a:ext uri="{FF2B5EF4-FFF2-40B4-BE49-F238E27FC236}">
+                <a16:creationId xmlns:a16="http://schemas.microsoft.com/office/drawing/2014/main" id="{4F2E11DD-6938-4B33-A344-33B958A70C1E}"/>
+              </a:ext>
+            </a:extLst>
+          </p:cNvPr>
+          <p:cNvSpPr>
+            <a:spLocks noGrp="1"/>
+          </p:cNvSpPr>
+          <p:nvPr>
+            <p:ph type="title"/>
+          </p:nvPr>
+        </p:nvSpPr>
+        <p:spPr/>
+        <p:txBody>
+          <a:bodyPr/>
+          <a:lstStyle/>
+          <a:p>
+            <a:endParaRPr lang="en-US"/>
+          </a:p>
+        </p:txBody>
+      </p:sp>
+      <p:pic>
+        <p:nvPicPr>
+          <p:cNvPr id="3" name="Picture 2">
+            <a:extLst>
+              <a:ext uri="{FF2B5EF4-FFF2-40B4-BE49-F238E27FC236}">
+                <a16:creationId xmlns:a16="http://schemas.microsoft.com/office/drawing/2014/main" id="{767057CE-FBA1-48AF-BE60-D5083CF1A704}"/>
+              </a:ext>
+            </a:extLst>
+          </p:cNvPr>
+          <p:cNvPicPr>
+            <a:picLocks noChangeAspect="1"/>
+          </p:cNvPicPr>
+          <p:nvPr/>
+        </p:nvPicPr>
+        <p:blipFill>
+          <a:blip r:embed="rId2"/>
+          <a:stretch>
+            <a:fillRect/>
+          </a:stretch>
+        </p:blipFill>
+        <p:spPr>
+          <a:xfrm>
+            <a:off x="0" y="365125"/>
+            <a:ext cx="12192000" cy="6127750"/>
+          </a:xfrm>
+          <a:prstGeom prst="rect">
+            <a:avLst/>
+          </a:prstGeom>
+        </p:spPr>
+      </p:pic>
+    </p:spTree>
+    <p:extLst>
+      <p:ext uri="{BB962C8B-B14F-4D97-AF65-F5344CB8AC3E}">
+        <p14:creationId xmlns:p14="http://schemas.microsoft.com/office/powerpoint/2010/main" val="1325002924"/>
+      </p:ext>
+    </p:extLst>
+  </p:cSld>
+  <p:clrMapOvr>
+    <a:masterClrMapping/>
+  </p:clrMapOvr>
+  <p:transition>
+    <p:fade/>
+  </p:transition>
+</p:sld>
+</file>
+
+<file path=ppt/slides/slide35.xml><?xml version="1.0" encoding="utf-8"?>
+<p:sld xmlns:a="http://schemas.openxmlformats.org/drawingml/2006/main" xmlns:r="http://schemas.openxmlformats.org/officeDocument/2006/relationships" xmlns:p="http://schemas.openxmlformats.org/presentationml/2006/main">
+  <p:cSld>
+    <p:spTree>
+      <p:nvGrpSpPr>
+        <p:cNvPr id="1" name=""/>
+        <p:cNvGrpSpPr/>
+        <p:nvPr/>
+      </p:nvGrpSpPr>
+      <p:grpSpPr>
+        <a:xfrm>
+          <a:off x="0" y="0"/>
+          <a:ext cx="0" cy="0"/>
+          <a:chOff x="0" y="0"/>
+          <a:chExt cx="0" cy="0"/>
+        </a:xfrm>
+      </p:grpSpPr>
+      <p:sp>
+        <p:nvSpPr>
+          <p:cNvPr id="2" name="Title 1">
+            <a:extLst>
+              <a:ext uri="{FF2B5EF4-FFF2-40B4-BE49-F238E27FC236}">
+                <a16:creationId xmlns:a16="http://schemas.microsoft.com/office/drawing/2014/main" id="{F26EE1E8-053F-426F-A773-DF2BFA1C896D}"/>
+              </a:ext>
+            </a:extLst>
+          </p:cNvPr>
+          <p:cNvSpPr>
+            <a:spLocks noGrp="1"/>
+          </p:cNvSpPr>
+          <p:nvPr>
+            <p:ph type="title"/>
+          </p:nvPr>
+        </p:nvSpPr>
+        <p:spPr/>
+        <p:txBody>
+          <a:bodyPr/>
+          <a:lstStyle/>
+          <a:p>
+            <a:endParaRPr lang="en-US"/>
+          </a:p>
+        </p:txBody>
+      </p:sp>
+      <p:pic>
+        <p:nvPicPr>
+          <p:cNvPr id="1026" name="Picture 2">
+            <a:extLst>
+              <a:ext uri="{FF2B5EF4-FFF2-40B4-BE49-F238E27FC236}">
+                <a16:creationId xmlns:a16="http://schemas.microsoft.com/office/drawing/2014/main" id="{B8AF316B-1AE0-4C75-8F6E-2DBC444AB9ED}"/>
+              </a:ext>
+            </a:extLst>
+          </p:cNvPr>
+          <p:cNvPicPr>
+            <a:picLocks noChangeAspect="1" noChangeArrowheads="1"/>
+          </p:cNvPicPr>
+          <p:nvPr/>
+        </p:nvPicPr>
+        <p:blipFill>
+          <a:blip r:embed="rId2">
+            <a:extLst>
+              <a:ext uri="{28A0092B-C50C-407E-A947-70E740481C1C}">
+                <a14:useLocalDpi xmlns:a14="http://schemas.microsoft.com/office/drawing/2010/main" val="0"/>
+              </a:ext>
+            </a:extLst>
+          </a:blip>
+          <a:srcRect/>
+          <a:stretch>
+            <a:fillRect/>
+          </a:stretch>
+        </p:blipFill>
+        <p:spPr bwMode="auto">
+          <a:xfrm>
+            <a:off x="0" y="289511"/>
+            <a:ext cx="12192000" cy="5359400"/>
+          </a:xfrm>
+          <a:prstGeom prst="rect">
+            <a:avLst/>
+          </a:prstGeom>
+          <a:noFill/>
+          <a:extLst>
+            <a:ext uri="{909E8E84-426E-40DD-AFC4-6F175D3DCCD1}">
+              <a14:hiddenFill xmlns:a14="http://schemas.microsoft.com/office/drawing/2010/main">
+                <a:solidFill>
+                  <a:srgbClr val="FFFFFF"/>
+                </a:solidFill>
+              </a14:hiddenFill>
+            </a:ext>
+          </a:extLst>
+        </p:spPr>
+      </p:pic>
+      <p:sp>
+        <p:nvSpPr>
+          <p:cNvPr id="5" name="TextBox 4">
+            <a:extLst>
+              <a:ext uri="{FF2B5EF4-FFF2-40B4-BE49-F238E27FC236}">
+                <a16:creationId xmlns:a16="http://schemas.microsoft.com/office/drawing/2014/main" id="{5499A410-28BC-4C51-B4EE-2B4DC6956651}"/>
+              </a:ext>
+            </a:extLst>
+          </p:cNvPr>
+          <p:cNvSpPr txBox="1"/>
+          <p:nvPr/>
+        </p:nvSpPr>
+        <p:spPr>
+          <a:xfrm>
+            <a:off x="465271" y="5097337"/>
+            <a:ext cx="11378898" cy="707886"/>
+          </a:xfrm>
+          <a:prstGeom prst="rect">
+            <a:avLst/>
+          </a:prstGeom>
+          <a:noFill/>
+        </p:spPr>
+        <p:txBody>
+          <a:bodyPr wrap="square">
+            <a:spAutoFit/>
+          </a:bodyPr>
+          <a:lstStyle/>
+          <a:p>
+            <a:r>
+              <a:rPr lang="en-US" sz="4000" dirty="0">
+                <a:hlinkClick r:id="rId3"/>
+              </a:rPr>
+              <a:t>https://github.com/Kymeric/DockerProxy</a:t>
+            </a:r>
+            <a:endParaRPr lang="en-US" sz="4000" dirty="0"/>
+          </a:p>
+        </p:txBody>
+      </p:sp>
+    </p:spTree>
+    <p:extLst>
+      <p:ext uri="{BB962C8B-B14F-4D97-AF65-F5344CB8AC3E}">
+        <p14:creationId xmlns:p14="http://schemas.microsoft.com/office/powerpoint/2010/main" val="3424616328"/>
+      </p:ext>
+    </p:extLst>
+  </p:cSld>
+  <p:clrMapOvr>
+    <a:masterClrMapping/>
+  </p:clrMapOvr>
+  <p:transition>
+    <p:fade/>
+  </p:transition>
+</p:sld>
+</file>
+
+<file path=ppt/slides/slide36.xml><?xml version="1.0" encoding="utf-8"?>
+<p:sld xmlns:a="http://schemas.openxmlformats.org/drawingml/2006/main" xmlns:r="http://schemas.openxmlformats.org/officeDocument/2006/relationships" xmlns:p="http://schemas.openxmlformats.org/presentationml/2006/main">
+  <p:cSld>
+    <p:spTree>
+      <p:nvGrpSpPr>
+        <p:cNvPr id="1" name=""/>
+        <p:cNvGrpSpPr/>
+        <p:nvPr/>
+      </p:nvGrpSpPr>
+      <p:grpSpPr>
+        <a:xfrm>
+          <a:off x="0" y="0"/>
+          <a:ext cx="0" cy="0"/>
+          <a:chOff x="0" y="0"/>
+          <a:chExt cx="0" cy="0"/>
+        </a:xfrm>
+      </p:grpSpPr>
+      <p:sp>
+        <p:nvSpPr>
+          <p:cNvPr id="4" name="Title 3"/>
+          <p:cNvSpPr>
+            <a:spLocks noGrp="1"/>
+          </p:cNvSpPr>
+          <p:nvPr>
+            <p:ph type="title"/>
+          </p:nvPr>
+        </p:nvSpPr>
+        <p:spPr>
+          <a:xfrm>
+            <a:off x="568047" y="2084172"/>
             <a:ext cx="11354714" cy="1826975"/>
           </a:xfrm>
         </p:spPr>
@@ -10162,7 +10777,7 @@
     </p:spTree>
     <p:extLst>
       <p:ext uri="{BB962C8B-B14F-4D97-AF65-F5344CB8AC3E}">
-        <p14:creationId xmlns:p14="http://schemas.microsoft.com/office/powerpoint/2010/main" val="1849912882"/>
+        <p14:creationId xmlns:p14="http://schemas.microsoft.com/office/powerpoint/2010/main" val="910571668"/>
       </p:ext>
     </p:extLst>
   </p:cSld>
@@ -11712,15 +12327,6 @@
 </file>
 
 <file path=customXml/item1.xml><?xml version="1.0" encoding="utf-8"?>
-<?mso-contentType ?>
-<FormTemplates xmlns="http://schemas.microsoft.com/sharepoint/v3/contenttype/forms">
-  <Display>DocumentLibraryForm</Display>
-  <Edit>DocumentLibraryForm</Edit>
-  <New>DocumentLibraryForm</New>
-</FormTemplates>
-</file>
-
-<file path=customXml/item2.xml><?xml version="1.0" encoding="utf-8"?>
 <ct:contentTypeSchema xmlns:ct="http://schemas.microsoft.com/office/2006/metadata/contentType" xmlns:ma="http://schemas.microsoft.com/office/2006/metadata/properties/metaAttributes" ct:_="" ma:_="" ma:contentTypeName="Document" ma:contentTypeID="0x01010022F88B0CCF1BBA489747F146E6B5E06D" ma:contentTypeVersion="10" ma:contentTypeDescription="Create a new document." ma:contentTypeScope="" ma:versionID="e1162cc15dbfb914ec52a789942caef8">
   <xsd:schema xmlns:xsd="http://www.w3.org/2001/XMLSchema" xmlns:xs="http://www.w3.org/2001/XMLSchema" xmlns:p="http://schemas.microsoft.com/office/2006/metadata/properties" xmlns:ns1="http://schemas.microsoft.com/sharepoint/v3" xmlns:ns2="569b343d-e775-480b-9b2b-6a6986deb9b0" xmlns:ns3="11245976-3b4d-4794-a754-317688483df2" targetNamespace="http://schemas.microsoft.com/office/2006/metadata/properties" ma:root="true" ma:fieldsID="158813283217a5160f6383901b0d05a5" ns1:_="" ns2:_="" ns3:_="">
     <xsd:import namespace="http://schemas.microsoft.com/sharepoint/v3"/>
@@ -11928,6 +12534,15 @@
 </ct:contentTypeSchema>
 </file>
 
+<file path=customXml/item2.xml><?xml version="1.0" encoding="utf-8"?>
+<?mso-contentType ?>
+<FormTemplates xmlns="http://schemas.microsoft.com/sharepoint/v3/contenttype/forms">
+  <Display>DocumentLibraryForm</Display>
+  <Edit>DocumentLibraryForm</Edit>
+  <New>DocumentLibraryForm</New>
+</FormTemplates>
+</file>
+
 <file path=customXml/item3.xml><?xml version="1.0" encoding="utf-8"?>
 <p:properties xmlns:p="http://schemas.microsoft.com/office/2006/metadata/properties" xmlns:xsi="http://www.w3.org/2001/XMLSchema-instance" xmlns:pc="http://schemas.microsoft.com/office/infopath/2007/PartnerControls">
   <documentManagement>
@@ -11938,14 +12553,6 @@
 </file>
 
 <file path=customXml/itemProps1.xml><?xml version="1.0" encoding="utf-8"?>
-<ds:datastoreItem xmlns:ds="http://schemas.openxmlformats.org/officeDocument/2006/customXml" ds:itemID="{093821A7-5528-48BE-BD00-067FBFDD28D5}">
-  <ds:schemaRefs>
-    <ds:schemaRef ds:uri="http://schemas.microsoft.com/sharepoint/v3/contenttype/forms"/>
-  </ds:schemaRefs>
-</ds:datastoreItem>
-</file>
-
-<file path=customXml/itemProps2.xml><?xml version="1.0" encoding="utf-8"?>
 <ds:datastoreItem xmlns:ds="http://schemas.openxmlformats.org/officeDocument/2006/customXml" ds:itemID="{345A321A-8CE3-45D5-9A72-BB0D8FA29E2D}">
   <ds:schemaRefs>
     <ds:schemaRef ds:uri="http://schemas.microsoft.com/office/2006/metadata/contentType"/>
@@ -11961,6 +12568,14 @@
     <ds:schemaRef ds:uri="http://purl.org/dc/elements/1.1/"/>
     <ds:schemaRef ds:uri="http://purl.org/dc/terms/"/>
     <ds:schemaRef ds:uri="http://schemas.microsoft.com/internal/obd"/>
+  </ds:schemaRefs>
+</ds:datastoreItem>
+</file>
+
+<file path=customXml/itemProps2.xml><?xml version="1.0" encoding="utf-8"?>
+<ds:datastoreItem xmlns:ds="http://schemas.openxmlformats.org/officeDocument/2006/customXml" ds:itemID="{093821A7-5528-48BE-BD00-067FBFDD28D5}">
+  <ds:schemaRefs>
+    <ds:schemaRef ds:uri="http://schemas.microsoft.com/sharepoint/v3/contenttype/forms"/>
   </ds:schemaRefs>
 </ds:datastoreItem>
 </file>
